--- a/IS601_Expeditions-deli.pptx
+++ b/IS601_Expeditions-deli.pptx
@@ -137,7 +137,7 @@
   <pc:docChgLst>
     <pc:chgData name="Thomas Byrne" userId="f88fd6c5ab659097" providerId="LiveId" clId="{C564171C-A25D-42CC-9769-E5B6122DD44C}"/>
     <pc:docChg chg="undo redo custSel addSld delSld modSld sldOrd">
-      <pc:chgData name="Thomas Byrne" userId="f88fd6c5ab659097" providerId="LiveId" clId="{C564171C-A25D-42CC-9769-E5B6122DD44C}" dt="2023-12-17T22:49:26.793" v="5310" actId="207"/>
+      <pc:chgData name="Thomas Byrne" userId="f88fd6c5ab659097" providerId="LiveId" clId="{C564171C-A25D-42CC-9769-E5B6122DD44C}" dt="2023-12-17T23:12:00.511" v="5322" actId="1076"/>
       <pc:docMkLst>
         <pc:docMk/>
       </pc:docMkLst>
@@ -854,7 +854,7 @@
         </pc:spChg>
       </pc:sldChg>
       <pc:sldChg chg="addSp delSp modSp add mod">
-        <pc:chgData name="Thomas Byrne" userId="f88fd6c5ab659097" providerId="LiveId" clId="{C564171C-A25D-42CC-9769-E5B6122DD44C}" dt="2023-12-17T22:48:52.229" v="5298" actId="1036"/>
+        <pc:chgData name="Thomas Byrne" userId="f88fd6c5ab659097" providerId="LiveId" clId="{C564171C-A25D-42CC-9769-E5B6122DD44C}" dt="2023-12-17T23:12:00.511" v="5322" actId="1076"/>
         <pc:sldMkLst>
           <pc:docMk/>
           <pc:sldMk cId="243499396" sldId="272"/>
@@ -891,6 +891,14 @@
             <ac:spMk id="5" creationId="{39892836-5260-47FD-A071-F24EF741D2B8}"/>
           </ac:spMkLst>
         </pc:spChg>
+        <pc:picChg chg="add del mod">
+          <ac:chgData name="Thomas Byrne" userId="f88fd6c5ab659097" providerId="LiveId" clId="{C564171C-A25D-42CC-9769-E5B6122DD44C}" dt="2023-12-17T23:11:28.742" v="5313" actId="478"/>
+          <ac:picMkLst>
+            <pc:docMk/>
+            <pc:sldMk cId="243499396" sldId="272"/>
+            <ac:picMk id="5" creationId="{11B8FE49-BBDC-44D0-AFF7-F2E5A4057844}"/>
+          </ac:picMkLst>
+        </pc:picChg>
         <pc:picChg chg="add mod">
           <ac:chgData name="Thomas Byrne" userId="f88fd6c5ab659097" providerId="LiveId" clId="{C564171C-A25D-42CC-9769-E5B6122DD44C}" dt="2023-12-17T22:48:52.229" v="5298" actId="1036"/>
           <ac:picMkLst>
@@ -900,7 +908,15 @@
           </ac:picMkLst>
         </pc:picChg>
         <pc:picChg chg="add mod">
-          <ac:chgData name="Thomas Byrne" userId="f88fd6c5ab659097" providerId="LiveId" clId="{C564171C-A25D-42CC-9769-E5B6122DD44C}" dt="2023-12-17T22:47:14.109" v="5266" actId="1440"/>
+          <ac:chgData name="Thomas Byrne" userId="f88fd6c5ab659097" providerId="LiveId" clId="{C564171C-A25D-42CC-9769-E5B6122DD44C}" dt="2023-12-17T23:12:00.511" v="5322" actId="1076"/>
+          <ac:picMkLst>
+            <pc:docMk/>
+            <pc:sldMk cId="243499396" sldId="272"/>
+            <ac:picMk id="8" creationId="{EDD4054C-3E97-B711-BF48-7FBFEBD71D13}"/>
+          </ac:picMkLst>
+        </pc:picChg>
+        <pc:picChg chg="add del mod">
+          <ac:chgData name="Thomas Byrne" userId="f88fd6c5ab659097" providerId="LiveId" clId="{C564171C-A25D-42CC-9769-E5B6122DD44C}" dt="2023-12-17T23:11:37.688" v="5316" actId="478"/>
           <ac:picMkLst>
             <pc:docMk/>
             <pc:sldMk cId="243499396" sldId="272"/>
@@ -5722,10 +5738,10 @@
       </p:pic>
       <p:pic>
         <p:nvPicPr>
-          <p:cNvPr id="9" name="Picture 8">
+          <p:cNvPr id="11" name="Picture 10">
             <a:extLst>
               <a:ext uri="{FF2B5EF4-FFF2-40B4-BE49-F238E27FC236}">
-                <a16:creationId xmlns:a16="http://schemas.microsoft.com/office/drawing/2014/main" id="{4BE02BC4-01A9-A76E-52AD-37B3C821A754}"/>
+                <a16:creationId xmlns:a16="http://schemas.microsoft.com/office/drawing/2014/main" id="{0DB75388-D363-EDA1-6964-69EBF47B2395}"/>
               </a:ext>
             </a:extLst>
           </p:cNvPr>
@@ -5742,8 +5758,38 @@
         </p:blipFill>
         <p:spPr>
           <a:xfrm>
-            <a:off x="1401020" y="4603299"/>
-            <a:ext cx="3707693" cy="1331113"/>
+            <a:off x="5520822" y="4969451"/>
+            <a:ext cx="5302251" cy="398222"/>
+          </a:xfrm>
+          <a:prstGeom prst="rect">
+            <a:avLst/>
+          </a:prstGeom>
+        </p:spPr>
+      </p:pic>
+      <p:pic>
+        <p:nvPicPr>
+          <p:cNvPr id="8" name="Picture 7">
+            <a:extLst>
+              <a:ext uri="{FF2B5EF4-FFF2-40B4-BE49-F238E27FC236}">
+                <a16:creationId xmlns:a16="http://schemas.microsoft.com/office/drawing/2014/main" id="{EDD4054C-3E97-B711-BF48-7FBFEBD71D13}"/>
+              </a:ext>
+            </a:extLst>
+          </p:cNvPr>
+          <p:cNvPicPr>
+            <a:picLocks noChangeAspect="1"/>
+          </p:cNvPicPr>
+          <p:nvPr/>
+        </p:nvPicPr>
+        <p:blipFill>
+          <a:blip r:embed="rId5"/>
+          <a:stretch>
+            <a:fillRect/>
+          </a:stretch>
+        </p:blipFill>
+        <p:spPr>
+          <a:xfrm>
+            <a:off x="1368927" y="4685367"/>
+            <a:ext cx="3487995" cy="1364612"/>
           </a:xfrm>
           <a:prstGeom prst="rect">
             <a:avLst/>
@@ -5765,36 +5811,6 @@
           <a:sp3d>
             <a:bevelT w="63500" h="50800"/>
           </a:sp3d>
-        </p:spPr>
-      </p:pic>
-      <p:pic>
-        <p:nvPicPr>
-          <p:cNvPr id="11" name="Picture 10">
-            <a:extLst>
-              <a:ext uri="{FF2B5EF4-FFF2-40B4-BE49-F238E27FC236}">
-                <a16:creationId xmlns:a16="http://schemas.microsoft.com/office/drawing/2014/main" id="{0DB75388-D363-EDA1-6964-69EBF47B2395}"/>
-              </a:ext>
-            </a:extLst>
-          </p:cNvPr>
-          <p:cNvPicPr>
-            <a:picLocks noChangeAspect="1"/>
-          </p:cNvPicPr>
-          <p:nvPr/>
-        </p:nvPicPr>
-        <p:blipFill>
-          <a:blip r:embed="rId5"/>
-          <a:stretch>
-            <a:fillRect/>
-          </a:stretch>
-        </p:blipFill>
-        <p:spPr>
-          <a:xfrm>
-            <a:off x="5520822" y="4969451"/>
-            <a:ext cx="5302251" cy="398222"/>
-          </a:xfrm>
-          <a:prstGeom prst="rect">
-            <a:avLst/>
-          </a:prstGeom>
         </p:spPr>
       </p:pic>
     </p:spTree>

--- a/IS601_Expeditions-deli.pptx
+++ b/IS601_Expeditions-deli.pptx
@@ -124,14 +124,6 @@
 </p:presentation>
 </file>
 
-<file path=ppt/revisionInfo.xml><?xml version="1.0" encoding="utf-8"?>
-<p1510:revInfo xmlns:a="http://schemas.openxmlformats.org/drawingml/2006/main" xmlns:r="http://schemas.openxmlformats.org/officeDocument/2006/relationships" xmlns:p1510="http://schemas.microsoft.com/office/powerpoint/2015/10/main">
-  <p1510:revLst>
-    <p1510:client id="{C564171C-A25D-42CC-9769-E5B6122DD44C}" v="51" dt="2023-12-17T22:31:12.234"/>
-  </p1510:revLst>
-</p1510:revInfo>
-</file>
-
 <file path=ppt/changesInfos/changesInfo1.xml><?xml version="1.0" encoding="utf-8"?>
 <pc:chgInfo xmlns:a="http://schemas.openxmlformats.org/drawingml/2006/main" xmlns:r="http://schemas.openxmlformats.org/officeDocument/2006/relationships" xmlns:ac="http://schemas.microsoft.com/office/drawing/2013/main/command" xmlns:pc="http://schemas.microsoft.com/office/powerpoint/2013/main/command">
   <pc:docChgLst>
@@ -1010,6 +1002,60 @@
             <ac:picMk id="12" creationId="{DCA4DEE8-6A38-F73C-9171-D2D59E6C416E}"/>
           </ac:picMkLst>
         </pc:picChg>
+      </pc:sldChg>
+    </pc:docChg>
+  </pc:docChgLst>
+  <pc:docChgLst>
+    <pc:chgData name="Roderic Henry" userId="c5094057449a0344" providerId="LiveId" clId="{FDD6FCA8-842C-4B89-BA55-A18C0FC19623}"/>
+    <pc:docChg chg="custSel modSld">
+      <pc:chgData name="Roderic Henry" userId="c5094057449a0344" providerId="LiveId" clId="{FDD6FCA8-842C-4B89-BA55-A18C0FC19623}" dt="2023-12-19T05:27:49.291" v="152" actId="20577"/>
+      <pc:docMkLst>
+        <pc:docMk/>
+      </pc:docMkLst>
+      <pc:sldChg chg="modSp mod">
+        <pc:chgData name="Roderic Henry" userId="c5094057449a0344" providerId="LiveId" clId="{FDD6FCA8-842C-4B89-BA55-A18C0FC19623}" dt="2023-12-19T05:23:10.449" v="21" actId="27636"/>
+        <pc:sldMkLst>
+          <pc:docMk/>
+          <pc:sldMk cId="3543655349" sldId="270"/>
+        </pc:sldMkLst>
+        <pc:spChg chg="mod">
+          <ac:chgData name="Roderic Henry" userId="c5094057449a0344" providerId="LiveId" clId="{FDD6FCA8-842C-4B89-BA55-A18C0FC19623}" dt="2023-12-19T05:23:10.449" v="21" actId="27636"/>
+          <ac:spMkLst>
+            <pc:docMk/>
+            <pc:sldMk cId="3543655349" sldId="270"/>
+            <ac:spMk id="3" creationId="{A8B4EC4D-2518-2CEB-32BD-CAE088A514DC}"/>
+          </ac:spMkLst>
+        </pc:spChg>
+      </pc:sldChg>
+      <pc:sldChg chg="modSp mod">
+        <pc:chgData name="Roderic Henry" userId="c5094057449a0344" providerId="LiveId" clId="{FDD6FCA8-842C-4B89-BA55-A18C0FC19623}" dt="2023-12-19T05:27:49.291" v="152" actId="20577"/>
+        <pc:sldMkLst>
+          <pc:docMk/>
+          <pc:sldMk cId="3107002121" sldId="271"/>
+        </pc:sldMkLst>
+        <pc:spChg chg="mod">
+          <ac:chgData name="Roderic Henry" userId="c5094057449a0344" providerId="LiveId" clId="{FDD6FCA8-842C-4B89-BA55-A18C0FC19623}" dt="2023-12-19T05:27:49.291" v="152" actId="20577"/>
+          <ac:spMkLst>
+            <pc:docMk/>
+            <pc:sldMk cId="3107002121" sldId="271"/>
+            <ac:spMk id="3" creationId="{A8B4EC4D-2518-2CEB-32BD-CAE088A514DC}"/>
+          </ac:spMkLst>
+        </pc:spChg>
+      </pc:sldChg>
+      <pc:sldChg chg="modSp mod">
+        <pc:chgData name="Roderic Henry" userId="c5094057449a0344" providerId="LiveId" clId="{FDD6FCA8-842C-4B89-BA55-A18C0FC19623}" dt="2023-12-19T05:25:42.447" v="71" actId="27636"/>
+        <pc:sldMkLst>
+          <pc:docMk/>
+          <pc:sldMk cId="243499396" sldId="272"/>
+        </pc:sldMkLst>
+        <pc:spChg chg="mod">
+          <ac:chgData name="Roderic Henry" userId="c5094057449a0344" providerId="LiveId" clId="{FDD6FCA8-842C-4B89-BA55-A18C0FC19623}" dt="2023-12-19T05:25:42.447" v="71" actId="27636"/>
+          <ac:spMkLst>
+            <pc:docMk/>
+            <pc:sldMk cId="243499396" sldId="272"/>
+            <ac:spMk id="3" creationId="{A8B4EC4D-2518-2CEB-32BD-CAE088A514DC}"/>
+          </ac:spMkLst>
+        </pc:spChg>
       </pc:sldChg>
     </pc:docChg>
   </pc:docChgLst>
@@ -1098,7 +1144,7 @@
           <a:p>
             <a:fld id="{EFDE87EB-EB9A-4727-9898-55B92A4DBA02}" type="datetimeFigureOut">
               <a:rPr lang="en-US" smtClean="0"/>
-              <a:t>12/17/2023</a:t>
+              <a:t>12/19/2023</a:t>
             </a:fld>
             <a:endParaRPr lang="en-US"/>
           </a:p>
@@ -2226,7 +2272,7 @@
           <a:p>
             <a:fld id="{6EBB0333-EE4F-4999-9ADF-88712B5B8D65}" type="datetimeFigureOut">
               <a:rPr lang="en-US" smtClean="0"/>
-              <a:t>12/17/2023</a:t>
+              <a:t>12/19/2023</a:t>
             </a:fld>
             <a:endParaRPr lang="en-US"/>
           </a:p>
@@ -2450,7 +2496,7 @@
           <a:p>
             <a:fld id="{6EBB0333-EE4F-4999-9ADF-88712B5B8D65}" type="datetimeFigureOut">
               <a:rPr lang="en-US" smtClean="0"/>
-              <a:t>12/17/2023</a:t>
+              <a:t>12/19/2023</a:t>
             </a:fld>
             <a:endParaRPr lang="en-US"/>
           </a:p>
@@ -2630,7 +2676,7 @@
           <a:p>
             <a:fld id="{6EBB0333-EE4F-4999-9ADF-88712B5B8D65}" type="datetimeFigureOut">
               <a:rPr lang="en-US" smtClean="0"/>
-              <a:t>12/17/2023</a:t>
+              <a:t>12/19/2023</a:t>
             </a:fld>
             <a:endParaRPr lang="en-US"/>
           </a:p>
@@ -2800,7 +2846,7 @@
           <a:p>
             <a:fld id="{6EBB0333-EE4F-4999-9ADF-88712B5B8D65}" type="datetimeFigureOut">
               <a:rPr lang="en-US" smtClean="0"/>
-              <a:t>12/17/2023</a:t>
+              <a:t>12/19/2023</a:t>
             </a:fld>
             <a:endParaRPr lang="en-US"/>
           </a:p>
@@ -3091,7 +3137,7 @@
           <a:p>
             <a:fld id="{6EBB0333-EE4F-4999-9ADF-88712B5B8D65}" type="datetimeFigureOut">
               <a:rPr lang="en-US" smtClean="0"/>
-              <a:t>12/17/2023</a:t>
+              <a:t>12/19/2023</a:t>
             </a:fld>
             <a:endParaRPr lang="en-US"/>
           </a:p>
@@ -3417,7 +3463,7 @@
           <a:p>
             <a:fld id="{6EBB0333-EE4F-4999-9ADF-88712B5B8D65}" type="datetimeFigureOut">
               <a:rPr lang="en-US" smtClean="0"/>
-              <a:t>12/17/2023</a:t>
+              <a:t>12/19/2023</a:t>
             </a:fld>
             <a:endParaRPr lang="en-US"/>
           </a:p>
@@ -3829,7 +3875,7 @@
           <a:p>
             <a:fld id="{6EBB0333-EE4F-4999-9ADF-88712B5B8D65}" type="datetimeFigureOut">
               <a:rPr lang="en-US" smtClean="0"/>
-              <a:t>12/17/2023</a:t>
+              <a:t>12/19/2023</a:t>
             </a:fld>
             <a:endParaRPr lang="en-US"/>
           </a:p>
@@ -3947,7 +3993,7 @@
           <a:p>
             <a:fld id="{6EBB0333-EE4F-4999-9ADF-88712B5B8D65}" type="datetimeFigureOut">
               <a:rPr lang="en-US" smtClean="0"/>
-              <a:t>12/17/2023</a:t>
+              <a:t>12/19/2023</a:t>
             </a:fld>
             <a:endParaRPr lang="en-US"/>
           </a:p>
@@ -4042,7 +4088,7 @@
           <a:p>
             <a:fld id="{6EBB0333-EE4F-4999-9ADF-88712B5B8D65}" type="datetimeFigureOut">
               <a:rPr lang="en-US" smtClean="0"/>
-              <a:t>12/17/2023</a:t>
+              <a:t>12/19/2023</a:t>
             </a:fld>
             <a:endParaRPr lang="en-US"/>
           </a:p>
@@ -4329,7 +4375,7 @@
           <a:p>
             <a:fld id="{6EBB0333-EE4F-4999-9ADF-88712B5B8D65}" type="datetimeFigureOut">
               <a:rPr lang="en-US" smtClean="0"/>
-              <a:t>12/17/2023</a:t>
+              <a:t>12/19/2023</a:t>
             </a:fld>
             <a:endParaRPr lang="en-US"/>
           </a:p>
@@ -4606,7 +4652,7 @@
           <a:p>
             <a:fld id="{6EBB0333-EE4F-4999-9ADF-88712B5B8D65}" type="datetimeFigureOut">
               <a:rPr lang="en-US" smtClean="0"/>
-              <a:t>12/17/2023</a:t>
+              <a:t>12/19/2023</a:t>
             </a:fld>
             <a:endParaRPr lang="en-US"/>
           </a:p>
@@ -4857,7 +4903,7 @@
           <a:p>
             <a:fld id="{6EBB0333-EE4F-4999-9ADF-88712B5B8D65}" type="datetimeFigureOut">
               <a:rPr lang="en-US" smtClean="0"/>
-              <a:t>12/17/2023</a:t>
+              <a:t>12/19/2023</a:t>
             </a:fld>
             <a:endParaRPr lang="en-US"/>
           </a:p>
@@ -5558,13 +5604,13 @@
         </p:nvSpPr>
         <p:spPr>
           <a:xfrm>
-            <a:off x="1261872" y="1638300"/>
-            <a:ext cx="4333016" cy="2809714"/>
+            <a:off x="1261871" y="1638299"/>
+            <a:ext cx="4373615" cy="3047067"/>
           </a:xfrm>
         </p:spPr>
         <p:txBody>
           <a:bodyPr>
-            <a:normAutofit/>
+            <a:normAutofit fontScale="92500" lnSpcReduction="20000"/>
           </a:bodyPr>
           <a:lstStyle/>
           <a:p>
@@ -5622,7 +5668,7 @@
             </a:r>
           </a:p>
           <a:p>
-            <a:pPr>
+            <a:pPr lvl="1">
               <a:lnSpc>
                 <a:spcPct val="114000"/>
               </a:lnSpc>
@@ -5631,16 +5677,16 @@
               </a:spcAft>
             </a:pPr>
             <a:r>
-              <a:rPr lang="en-US" sz="1500" dirty="0">
-                <a:solidFill>
-                  <a:srgbClr val="00B0F0"/>
+              <a:rPr lang="en-US" sz="1300" dirty="0">
+                <a:solidFill>
+                  <a:schemeClr val="tx1"/>
                 </a:solidFill>
               </a:rPr>
-              <a:t>Manual Testing</a:t>
-            </a:r>
-          </a:p>
-          <a:p>
-            <a:pPr lvl="1">
+              <a:t>User subscription</a:t>
+            </a:r>
+          </a:p>
+          <a:p>
+            <a:pPr>
               <a:lnSpc>
                 <a:spcPct val="114000"/>
               </a:lnSpc>
@@ -5649,12 +5695,12 @@
               </a:spcAft>
             </a:pPr>
             <a:r>
-              <a:rPr lang="en-US" sz="1300" dirty="0">
-                <a:solidFill>
-                  <a:schemeClr val="tx1"/>
+              <a:rPr lang="en-US" sz="1500" dirty="0">
+                <a:solidFill>
+                  <a:srgbClr val="00B0F0"/>
                 </a:solidFill>
               </a:rPr>
-              <a:t>Links</a:t>
+              <a:t>Manual Testing</a:t>
             </a:r>
           </a:p>
           <a:p>
@@ -5672,7 +5718,43 @@
                   <a:schemeClr val="tx1"/>
                 </a:solidFill>
               </a:rPr>
+              <a:t>Links</a:t>
+            </a:r>
+          </a:p>
+          <a:p>
+            <a:pPr lvl="1">
+              <a:lnSpc>
+                <a:spcPct val="114000"/>
+              </a:lnSpc>
+              <a:spcAft>
+                <a:spcPts val="600"/>
+              </a:spcAft>
+            </a:pPr>
+            <a:r>
+              <a:rPr lang="en-US" sz="1300" dirty="0">
+                <a:solidFill>
+                  <a:schemeClr val="tx1"/>
+                </a:solidFill>
+              </a:rPr>
               <a:t>Local storage states from cookies consent</a:t>
+            </a:r>
+          </a:p>
+          <a:p>
+            <a:pPr lvl="1">
+              <a:lnSpc>
+                <a:spcPct val="114000"/>
+              </a:lnSpc>
+              <a:spcAft>
+                <a:spcPts val="600"/>
+              </a:spcAft>
+            </a:pPr>
+            <a:r>
+              <a:rPr lang="en-US" sz="1300" dirty="0">
+                <a:solidFill>
+                  <a:schemeClr val="tx1"/>
+                </a:solidFill>
+              </a:rPr>
+              <a:t>Google Analytics tracking</a:t>
             </a:r>
           </a:p>
           <a:p>
@@ -8326,7 +8408,7 @@
         <p:spPr>
           <a:xfrm>
             <a:off x="1261872" y="1638300"/>
-            <a:ext cx="8850772" cy="4853940"/>
+            <a:ext cx="8850772" cy="5060674"/>
           </a:xfrm>
         </p:spPr>
         <p:txBody>
@@ -8591,11 +8673,11 @@
                   <a:schemeClr val="tx1"/>
                 </a:solidFill>
               </a:rPr>
-              <a:t>Mailchimp</a:t>
-            </a:r>
-          </a:p>
-          <a:p>
-            <a:pPr>
+              <a:t>Google Analytics</a:t>
+            </a:r>
+          </a:p>
+          <a:p>
+            <a:pPr lvl="2">
               <a:lnSpc>
                 <a:spcPct val="114000"/>
               </a:lnSpc>
@@ -8603,7 +8685,14 @@
                 <a:spcPts val="600"/>
               </a:spcAft>
             </a:pPr>
-            <a:endParaRPr lang="en-US" sz="1700" dirty="0"/>
+            <a:r>
+              <a:rPr lang="en-US" dirty="0">
+                <a:solidFill>
+                  <a:schemeClr val="tx1"/>
+                </a:solidFill>
+              </a:rPr>
+              <a:t>Mailchimp</a:t>
+            </a:r>
           </a:p>
         </p:txBody>
       </p:sp>
@@ -8738,7 +8827,15 @@
                   <a:srgbClr val="92D050"/>
                 </a:solidFill>
               </a:rPr>
-              <a:t>Click Here</a:t>
+              <a:t>Click Here to view application on </a:t>
+            </a:r>
+            <a:r>
+              <a:rPr lang="en-US" sz="1700" dirty="0" err="1">
+                <a:solidFill>
+                  <a:srgbClr val="92D050"/>
+                </a:solidFill>
+              </a:rPr>
+              <a:t>Vercel</a:t>
             </a:r>
             <a:r>
               <a:rPr lang="en-US" sz="1700" dirty="0"/>
@@ -8775,7 +8872,7 @@
             </a:pPr>
             <a:r>
               <a:rPr lang="en-US" sz="1500" dirty="0"/>
-              <a:t>MailChimp Integration</a:t>
+              <a:t>Mobile friendly responsive design</a:t>
             </a:r>
           </a:p>
           <a:p>
@@ -8789,8 +8886,37 @@
             </a:pPr>
             <a:r>
               <a:rPr lang="en-US" sz="1500" dirty="0"/>
+              <a:t>MailChimp Integration</a:t>
+            </a:r>
+          </a:p>
+          <a:p>
+            <a:pPr lvl="1">
+              <a:lnSpc>
+                <a:spcPct val="114000"/>
+              </a:lnSpc>
+              <a:spcAft>
+                <a:spcPts val="600"/>
+              </a:spcAft>
+            </a:pPr>
+            <a:r>
+              <a:rPr lang="en-US" sz="1500" dirty="0"/>
               <a:t>Google Analytics</a:t>
             </a:r>
+          </a:p>
+          <a:p>
+            <a:pPr lvl="1">
+              <a:lnSpc>
+                <a:spcPct val="114000"/>
+              </a:lnSpc>
+              <a:spcAft>
+                <a:spcPts val="600"/>
+              </a:spcAft>
+            </a:pPr>
+            <a:r>
+              <a:rPr lang="en-US" sz="1500"/>
+              <a:t>Cookie consent</a:t>
+            </a:r>
+            <a:endParaRPr lang="en-US" sz="1500" dirty="0"/>
           </a:p>
         </p:txBody>
       </p:sp>

--- a/IS601_Expeditions-deli.pptx
+++ b/IS601_Expeditions-deli.pptx
@@ -5,19 +5,20 @@
     <p:sldMasterId id="2147483810" r:id="rId1"/>
   </p:sldMasterIdLst>
   <p:notesMasterIdLst>
-    <p:notesMasterId r:id="rId12"/>
+    <p:notesMasterId r:id="rId13"/>
   </p:notesMasterIdLst>
   <p:sldIdLst>
-    <p:sldId id="256" r:id="rId2"/>
-    <p:sldId id="257" r:id="rId3"/>
-    <p:sldId id="265" r:id="rId4"/>
-    <p:sldId id="266" r:id="rId5"/>
-    <p:sldId id="273" r:id="rId6"/>
-    <p:sldId id="268" r:id="rId7"/>
-    <p:sldId id="269" r:id="rId8"/>
+    <p:sldId id="274" r:id="rId2"/>
+    <p:sldId id="256" r:id="rId3"/>
+    <p:sldId id="257" r:id="rId4"/>
+    <p:sldId id="265" r:id="rId5"/>
+    <p:sldId id="266" r:id="rId6"/>
+    <p:sldId id="273" r:id="rId7"/>
+    <p:sldId id="268" r:id="rId8"/>
     <p:sldId id="270" r:id="rId9"/>
-    <p:sldId id="271" r:id="rId10"/>
-    <p:sldId id="272" r:id="rId11"/>
+    <p:sldId id="269" r:id="rId10"/>
+    <p:sldId id="271" r:id="rId11"/>
+    <p:sldId id="272" r:id="rId12"/>
   </p:sldIdLst>
   <p:sldSz cx="12192000" cy="6858000"/>
   <p:notesSz cx="6858000" cy="9144000"/>
@@ -124,12 +125,20 @@
 </p:presentation>
 </file>
 
+<file path=ppt/revisionInfo.xml><?xml version="1.0" encoding="utf-8"?>
+<p1510:revInfo xmlns:a="http://schemas.openxmlformats.org/drawingml/2006/main" xmlns:r="http://schemas.openxmlformats.org/officeDocument/2006/relationships" xmlns:p1510="http://schemas.microsoft.com/office/powerpoint/2015/10/main">
+  <p1510:revLst>
+    <p1510:client id="{C564171C-A25D-42CC-9769-E5B6122DD44C}" v="58" dt="2023-12-20T04:22:30.580"/>
+  </p1510:revLst>
+</p1510:revInfo>
+</file>
+
 <file path=ppt/changesInfos/changesInfo1.xml><?xml version="1.0" encoding="utf-8"?>
 <pc:chgInfo xmlns:a="http://schemas.openxmlformats.org/drawingml/2006/main" xmlns:r="http://schemas.openxmlformats.org/officeDocument/2006/relationships" xmlns:ac="http://schemas.microsoft.com/office/drawing/2013/main/command" xmlns:pc="http://schemas.microsoft.com/office/powerpoint/2013/main/command">
   <pc:docChgLst>
     <pc:chgData name="Thomas Byrne" userId="f88fd6c5ab659097" providerId="LiveId" clId="{C564171C-A25D-42CC-9769-E5B6122DD44C}"/>
     <pc:docChg chg="undo redo custSel addSld delSld modSld sldOrd">
-      <pc:chgData name="Thomas Byrne" userId="f88fd6c5ab659097" providerId="LiveId" clId="{C564171C-A25D-42CC-9769-E5B6122DD44C}" dt="2023-12-17T23:12:00.511" v="5322" actId="1076"/>
+      <pc:chgData name="Thomas Byrne" userId="f88fd6c5ab659097" providerId="LiveId" clId="{C564171C-A25D-42CC-9769-E5B6122DD44C}" dt="2023-12-20T04:22:32.797" v="5532" actId="207"/>
       <pc:docMkLst>
         <pc:docMk/>
       </pc:docMkLst>
@@ -690,7 +699,7 @@
         </pc:spChg>
       </pc:sldChg>
       <pc:sldChg chg="addSp delSp modSp add mod">
-        <pc:chgData name="Thomas Byrne" userId="f88fd6c5ab659097" providerId="LiveId" clId="{C564171C-A25D-42CC-9769-E5B6122DD44C}" dt="2023-12-17T22:49:26.793" v="5310" actId="207"/>
+        <pc:chgData name="Thomas Byrne" userId="f88fd6c5ab659097" providerId="LiveId" clId="{C564171C-A25D-42CC-9769-E5B6122DD44C}" dt="2023-12-19T03:37:02.791" v="5519" actId="207"/>
         <pc:sldMkLst>
           <pc:docMk/>
           <pc:sldMk cId="3498264997" sldId="268"/>
@@ -704,7 +713,7 @@
           </ac:spMkLst>
         </pc:spChg>
         <pc:spChg chg="mod">
-          <ac:chgData name="Thomas Byrne" userId="f88fd6c5ab659097" providerId="LiveId" clId="{C564171C-A25D-42CC-9769-E5B6122DD44C}" dt="2023-12-17T22:49:26.793" v="5310" actId="207"/>
+          <ac:chgData name="Thomas Byrne" userId="f88fd6c5ab659097" providerId="LiveId" clId="{C564171C-A25D-42CC-9769-E5B6122DD44C}" dt="2023-12-19T03:37:02.791" v="5519" actId="207"/>
           <ac:spMkLst>
             <pc:docMk/>
             <pc:sldMk cId="3498264997" sldId="268"/>
@@ -719,9 +728,17 @@
             <ac:spMk id="4" creationId="{3044CCEE-94BE-4581-9CEF-46FB47D11208}"/>
           </ac:spMkLst>
         </pc:spChg>
+        <pc:picChg chg="add mod">
+          <ac:chgData name="Thomas Byrne" userId="f88fd6c5ab659097" providerId="LiveId" clId="{C564171C-A25D-42CC-9769-E5B6122DD44C}" dt="2023-12-19T03:36:18.147" v="5512" actId="962"/>
+          <ac:picMkLst>
+            <pc:docMk/>
+            <pc:sldMk cId="3498264997" sldId="268"/>
+            <ac:picMk id="5" creationId="{04C07482-4E2E-D633-E761-7E01D6891C3F}"/>
+          </ac:picMkLst>
+        </pc:picChg>
       </pc:sldChg>
-      <pc:sldChg chg="addSp delSp modSp add mod">
-        <pc:chgData name="Thomas Byrne" userId="f88fd6c5ab659097" providerId="LiveId" clId="{C564171C-A25D-42CC-9769-E5B6122DD44C}" dt="2023-12-17T21:45:40.078" v="4368"/>
+      <pc:sldChg chg="addSp delSp modSp add mod ord">
+        <pc:chgData name="Thomas Byrne" userId="f88fd6c5ab659097" providerId="LiveId" clId="{C564171C-A25D-42CC-9769-E5B6122DD44C}" dt="2023-12-20T02:44:44.516" v="5530"/>
         <pc:sldMkLst>
           <pc:docMk/>
           <pc:sldMk cId="2210640162" sldId="269"/>
@@ -823,7 +840,7 @@
         </pc:spChg>
       </pc:sldChg>
       <pc:sldChg chg="modSp add mod modNotesTx">
-        <pc:chgData name="Thomas Byrne" userId="f88fd6c5ab659097" providerId="LiveId" clId="{C564171C-A25D-42CC-9769-E5B6122DD44C}" dt="2023-12-17T22:49:22.576" v="5309" actId="207"/>
+        <pc:chgData name="Thomas Byrne" userId="f88fd6c5ab659097" providerId="LiveId" clId="{C564171C-A25D-42CC-9769-E5B6122DD44C}" dt="2023-12-19T02:05:03.860" v="5361" actId="207"/>
         <pc:sldMkLst>
           <pc:docMk/>
           <pc:sldMk cId="3107002121" sldId="271"/>
@@ -837,7 +854,7 @@
           </ac:spMkLst>
         </pc:spChg>
         <pc:spChg chg="mod">
-          <ac:chgData name="Thomas Byrne" userId="f88fd6c5ab659097" providerId="LiveId" clId="{C564171C-A25D-42CC-9769-E5B6122DD44C}" dt="2023-12-17T22:49:22.576" v="5309" actId="207"/>
+          <ac:chgData name="Thomas Byrne" userId="f88fd6c5ab659097" providerId="LiveId" clId="{C564171C-A25D-42CC-9769-E5B6122DD44C}" dt="2023-12-19T02:05:03.860" v="5361" actId="207"/>
           <ac:spMkLst>
             <pc:docMk/>
             <pc:sldMk cId="3107002121" sldId="271"/>
@@ -1003,56 +1020,47 @@
           </ac:picMkLst>
         </pc:picChg>
       </pc:sldChg>
-    </pc:docChg>
-  </pc:docChgLst>
-  <pc:docChgLst>
-    <pc:chgData name="Roderic Henry" userId="c5094057449a0344" providerId="LiveId" clId="{FDD6FCA8-842C-4B89-BA55-A18C0FC19623}"/>
-    <pc:docChg chg="custSel modSld">
-      <pc:chgData name="Roderic Henry" userId="c5094057449a0344" providerId="LiveId" clId="{FDD6FCA8-842C-4B89-BA55-A18C0FC19623}" dt="2023-12-19T05:27:49.291" v="152" actId="20577"/>
-      <pc:docMkLst>
-        <pc:docMk/>
-      </pc:docMkLst>
-      <pc:sldChg chg="modSp mod">
-        <pc:chgData name="Roderic Henry" userId="c5094057449a0344" providerId="LiveId" clId="{FDD6FCA8-842C-4B89-BA55-A18C0FC19623}" dt="2023-12-19T05:23:10.449" v="21" actId="27636"/>
+      <pc:sldChg chg="modSp new del mod">
+        <pc:chgData name="Thomas Byrne" userId="f88fd6c5ab659097" providerId="LiveId" clId="{C564171C-A25D-42CC-9769-E5B6122DD44C}" dt="2023-12-19T03:31:47.272" v="5364" actId="47"/>
         <pc:sldMkLst>
           <pc:docMk/>
-          <pc:sldMk cId="3543655349" sldId="270"/>
+          <pc:sldMk cId="482875025" sldId="274"/>
         </pc:sldMkLst>
         <pc:spChg chg="mod">
-          <ac:chgData name="Roderic Henry" userId="c5094057449a0344" providerId="LiveId" clId="{FDD6FCA8-842C-4B89-BA55-A18C0FC19623}" dt="2023-12-19T05:23:10.449" v="21" actId="27636"/>
+          <ac:chgData name="Thomas Byrne" userId="f88fd6c5ab659097" providerId="LiveId" clId="{C564171C-A25D-42CC-9769-E5B6122DD44C}" dt="2023-12-19T03:31:44.875" v="5363" actId="20577"/>
           <ac:spMkLst>
             <pc:docMk/>
-            <pc:sldMk cId="3543655349" sldId="270"/>
-            <ac:spMk id="3" creationId="{A8B4EC4D-2518-2CEB-32BD-CAE088A514DC}"/>
+            <pc:sldMk cId="482875025" sldId="274"/>
+            <ac:spMk id="2" creationId="{B893699D-96EC-F2FA-60EE-1AB3C8BC377B}"/>
           </ac:spMkLst>
         </pc:spChg>
       </pc:sldChg>
-      <pc:sldChg chg="modSp mod">
-        <pc:chgData name="Roderic Henry" userId="c5094057449a0344" providerId="LiveId" clId="{FDD6FCA8-842C-4B89-BA55-A18C0FC19623}" dt="2023-12-19T05:27:49.291" v="152" actId="20577"/>
+      <pc:sldChg chg="new del ord">
+        <pc:chgData name="Thomas Byrne" userId="f88fd6c5ab659097" providerId="LiveId" clId="{C564171C-A25D-42CC-9769-E5B6122DD44C}" dt="2023-12-19T03:31:59.708" v="5368" actId="47"/>
         <pc:sldMkLst>
           <pc:docMk/>
-          <pc:sldMk cId="3107002121" sldId="271"/>
+          <pc:sldMk cId="1260305267" sldId="274"/>
+        </pc:sldMkLst>
+      </pc:sldChg>
+      <pc:sldChg chg="modSp add mod ord">
+        <pc:chgData name="Thomas Byrne" userId="f88fd6c5ab659097" providerId="LiveId" clId="{C564171C-A25D-42CC-9769-E5B6122DD44C}" dt="2023-12-20T04:22:32.797" v="5532" actId="207"/>
+        <pc:sldMkLst>
+          <pc:docMk/>
+          <pc:sldMk cId="2522105043" sldId="274"/>
         </pc:sldMkLst>
         <pc:spChg chg="mod">
-          <ac:chgData name="Roderic Henry" userId="c5094057449a0344" providerId="LiveId" clId="{FDD6FCA8-842C-4B89-BA55-A18C0FC19623}" dt="2023-12-19T05:27:49.291" v="152" actId="20577"/>
+          <ac:chgData name="Thomas Byrne" userId="f88fd6c5ab659097" providerId="LiveId" clId="{C564171C-A25D-42CC-9769-E5B6122DD44C}" dt="2023-12-19T03:32:12.273" v="5396" actId="20577"/>
           <ac:spMkLst>
             <pc:docMk/>
-            <pc:sldMk cId="3107002121" sldId="271"/>
-            <ac:spMk id="3" creationId="{A8B4EC4D-2518-2CEB-32BD-CAE088A514DC}"/>
+            <pc:sldMk cId="2522105043" sldId="274"/>
+            <ac:spMk id="2" creationId="{3AB4BE03-24A1-4D7A-9211-97AAB4198A54}"/>
           </ac:spMkLst>
         </pc:spChg>
-      </pc:sldChg>
-      <pc:sldChg chg="modSp mod">
-        <pc:chgData name="Roderic Henry" userId="c5094057449a0344" providerId="LiveId" clId="{FDD6FCA8-842C-4B89-BA55-A18C0FC19623}" dt="2023-12-19T05:25:42.447" v="71" actId="27636"/>
-        <pc:sldMkLst>
-          <pc:docMk/>
-          <pc:sldMk cId="243499396" sldId="272"/>
-        </pc:sldMkLst>
         <pc:spChg chg="mod">
-          <ac:chgData name="Roderic Henry" userId="c5094057449a0344" providerId="LiveId" clId="{FDD6FCA8-842C-4B89-BA55-A18C0FC19623}" dt="2023-12-19T05:25:42.447" v="71" actId="27636"/>
+          <ac:chgData name="Thomas Byrne" userId="f88fd6c5ab659097" providerId="LiveId" clId="{C564171C-A25D-42CC-9769-E5B6122DD44C}" dt="2023-12-20T04:22:32.797" v="5532" actId="207"/>
           <ac:spMkLst>
             <pc:docMk/>
-            <pc:sldMk cId="243499396" sldId="272"/>
+            <pc:sldMk cId="2522105043" sldId="274"/>
             <ac:spMk id="3" creationId="{A8B4EC4D-2518-2CEB-32BD-CAE088A514DC}"/>
           </ac:spMkLst>
         </pc:spChg>
@@ -1455,6 +1463,30 @@
           <a:bodyPr/>
           <a:lstStyle/>
           <a:p>
+            <a:pPr marL="0" marR="0" lvl="0" indent="0" algn="l" defTabSz="914400" rtl="0" eaLnBrk="1" fontAlgn="auto" latinLnBrk="0" hangingPunct="1">
+              <a:lnSpc>
+                <a:spcPct val="100000"/>
+              </a:lnSpc>
+              <a:spcBef>
+                <a:spcPts val="0"/>
+              </a:spcBef>
+              <a:spcAft>
+                <a:spcPts val="0"/>
+              </a:spcAft>
+              <a:buClrTx/>
+              <a:buSzTx/>
+              <a:buFontTx/>
+              <a:buNone/>
+              <a:tabLst/>
+              <a:defRPr/>
+            </a:pPr>
+            <a:endParaRPr lang="en-US" b="0" dirty="0">
+              <a:solidFill>
+                <a:srgbClr val="00B0F0"/>
+              </a:solidFill>
+            </a:endParaRPr>
+          </a:p>
+          <a:p>
             <a:endParaRPr lang="en-US" dirty="0"/>
           </a:p>
         </p:txBody>
@@ -1485,7 +1517,7 @@
     </p:spTree>
     <p:extLst>
       <p:ext uri="{BB962C8B-B14F-4D97-AF65-F5344CB8AC3E}">
-        <p14:creationId xmlns:p14="http://schemas.microsoft.com/office/powerpoint/2010/main" val="2436430426"/>
+        <p14:creationId xmlns:p14="http://schemas.microsoft.com/office/powerpoint/2010/main" val="343493400"/>
       </p:ext>
     </p:extLst>
   </p:cSld>
@@ -1560,7 +1592,7 @@
           <a:p>
             <a:fld id="{05992A42-F78D-4CE1-8482-6795D330F5D6}" type="slidenum">
               <a:rPr lang="en-US" smtClean="0"/>
-              <a:t>7</a:t>
+              <a:t>2</a:t>
             </a:fld>
             <a:endParaRPr lang="en-US"/>
           </a:p>
@@ -1569,7 +1601,7 @@
     </p:spTree>
     <p:extLst>
       <p:ext uri="{BB962C8B-B14F-4D97-AF65-F5344CB8AC3E}">
-        <p14:creationId xmlns:p14="http://schemas.microsoft.com/office/powerpoint/2010/main" val="4024382128"/>
+        <p14:creationId xmlns:p14="http://schemas.microsoft.com/office/powerpoint/2010/main" val="2436430426"/>
       </p:ext>
     </p:extLst>
   </p:cSld>
@@ -1904,30 +1936,6 @@
           <a:bodyPr/>
           <a:lstStyle/>
           <a:p>
-            <a:pPr marL="0" marR="0" lvl="0" indent="0" algn="l" defTabSz="914400" rtl="0" eaLnBrk="1" fontAlgn="auto" latinLnBrk="0" hangingPunct="1">
-              <a:lnSpc>
-                <a:spcPct val="100000"/>
-              </a:lnSpc>
-              <a:spcBef>
-                <a:spcPts val="0"/>
-              </a:spcBef>
-              <a:spcAft>
-                <a:spcPts val="0"/>
-              </a:spcAft>
-              <a:buClrTx/>
-              <a:buSzTx/>
-              <a:buFontTx/>
-              <a:buNone/>
-              <a:tabLst/>
-              <a:defRPr/>
-            </a:pPr>
-            <a:endParaRPr lang="en-US" b="0" dirty="0">
-              <a:solidFill>
-                <a:srgbClr val="00B0F0"/>
-              </a:solidFill>
-            </a:endParaRPr>
-          </a:p>
-          <a:p>
             <a:endParaRPr lang="en-US" dirty="0"/>
           </a:p>
         </p:txBody>
@@ -1958,7 +1966,7 @@
     </p:spTree>
     <p:extLst>
       <p:ext uri="{BB962C8B-B14F-4D97-AF65-F5344CB8AC3E}">
-        <p14:creationId xmlns:p14="http://schemas.microsoft.com/office/powerpoint/2010/main" val="455754879"/>
+        <p14:creationId xmlns:p14="http://schemas.microsoft.com/office/powerpoint/2010/main" val="4024382128"/>
       </p:ext>
     </p:extLst>
   </p:cSld>
@@ -2058,6 +2066,114 @@
             <a:fld id="{05992A42-F78D-4CE1-8482-6795D330F5D6}" type="slidenum">
               <a:rPr lang="en-US" smtClean="0"/>
               <a:t>10</a:t>
+            </a:fld>
+            <a:endParaRPr lang="en-US"/>
+          </a:p>
+        </p:txBody>
+      </p:sp>
+    </p:spTree>
+    <p:extLst>
+      <p:ext uri="{BB962C8B-B14F-4D97-AF65-F5344CB8AC3E}">
+        <p14:creationId xmlns:p14="http://schemas.microsoft.com/office/powerpoint/2010/main" val="455754879"/>
+      </p:ext>
+    </p:extLst>
+  </p:cSld>
+  <p:clrMapOvr>
+    <a:masterClrMapping/>
+  </p:clrMapOvr>
+</p:notes>
+</file>
+
+<file path=ppt/notesSlides/notesSlide6.xml><?xml version="1.0" encoding="utf-8"?>
+<p:notes xmlns:a="http://schemas.openxmlformats.org/drawingml/2006/main" xmlns:r="http://schemas.openxmlformats.org/officeDocument/2006/relationships" xmlns:p="http://schemas.openxmlformats.org/presentationml/2006/main">
+  <p:cSld>
+    <p:spTree>
+      <p:nvGrpSpPr>
+        <p:cNvPr id="1" name=""/>
+        <p:cNvGrpSpPr/>
+        <p:nvPr/>
+      </p:nvGrpSpPr>
+      <p:grpSpPr>
+        <a:xfrm>
+          <a:off x="0" y="0"/>
+          <a:ext cx="0" cy="0"/>
+          <a:chOff x="0" y="0"/>
+          <a:chExt cx="0" cy="0"/>
+        </a:xfrm>
+      </p:grpSpPr>
+      <p:sp>
+        <p:nvSpPr>
+          <p:cNvPr id="2" name="Slide Image Placeholder 1"/>
+          <p:cNvSpPr>
+            <a:spLocks noGrp="1" noRot="1" noChangeAspect="1"/>
+          </p:cNvSpPr>
+          <p:nvPr>
+            <p:ph type="sldImg"/>
+          </p:nvPr>
+        </p:nvSpPr>
+        <p:spPr/>
+      </p:sp>
+      <p:sp>
+        <p:nvSpPr>
+          <p:cNvPr id="3" name="Notes Placeholder 2"/>
+          <p:cNvSpPr>
+            <a:spLocks noGrp="1"/>
+          </p:cNvSpPr>
+          <p:nvPr>
+            <p:ph type="body" idx="1"/>
+          </p:nvPr>
+        </p:nvSpPr>
+        <p:spPr/>
+        <p:txBody>
+          <a:bodyPr/>
+          <a:lstStyle/>
+          <a:p>
+            <a:pPr marL="0" marR="0" lvl="0" indent="0" algn="l" defTabSz="914400" rtl="0" eaLnBrk="1" fontAlgn="auto" latinLnBrk="0" hangingPunct="1">
+              <a:lnSpc>
+                <a:spcPct val="100000"/>
+              </a:lnSpc>
+              <a:spcBef>
+                <a:spcPts val="0"/>
+              </a:spcBef>
+              <a:spcAft>
+                <a:spcPts val="0"/>
+              </a:spcAft>
+              <a:buClrTx/>
+              <a:buSzTx/>
+              <a:buFontTx/>
+              <a:buNone/>
+              <a:tabLst/>
+              <a:defRPr/>
+            </a:pPr>
+            <a:endParaRPr lang="en-US" b="0" dirty="0">
+              <a:solidFill>
+                <a:srgbClr val="00B0F0"/>
+              </a:solidFill>
+            </a:endParaRPr>
+          </a:p>
+          <a:p>
+            <a:endParaRPr lang="en-US" dirty="0"/>
+          </a:p>
+        </p:txBody>
+      </p:sp>
+      <p:sp>
+        <p:nvSpPr>
+          <p:cNvPr id="4" name="Slide Number Placeholder 3"/>
+          <p:cNvSpPr>
+            <a:spLocks noGrp="1"/>
+          </p:cNvSpPr>
+          <p:nvPr>
+            <p:ph type="sldNum" sz="quarter" idx="5"/>
+          </p:nvPr>
+        </p:nvSpPr>
+        <p:spPr/>
+        <p:txBody>
+          <a:bodyPr/>
+          <a:lstStyle/>
+          <a:p>
+            <a:fld id="{05992A42-F78D-4CE1-8482-6795D330F5D6}" type="slidenum">
+              <a:rPr lang="en-US" smtClean="0"/>
+              <a:t>11</a:t>
             </a:fld>
             <a:endParaRPr lang="en-US"/>
           </a:p>
@@ -5371,14 +5487,6 @@
 <file path=ppt/slides/slide1.xml><?xml version="1.0" encoding="utf-8"?>
 <p:sld xmlns:a="http://schemas.openxmlformats.org/drawingml/2006/main" xmlns:r="http://schemas.openxmlformats.org/officeDocument/2006/relationships" xmlns:p="http://schemas.openxmlformats.org/presentationml/2006/main">
   <p:cSld>
-    <p:bg>
-      <p:bgPr>
-        <a:solidFill>
-          <a:schemeClr val="bg1"/>
-        </a:solidFill>
-        <a:effectLst/>
-      </p:bgPr>
-    </p:bg>
     <p:spTree>
       <p:nvGrpSpPr>
         <p:cNvPr id="1" name=""/>
@@ -5398,7 +5506,7 @@
           <p:cNvPr id="2" name="Title 1">
             <a:extLst>
               <a:ext uri="{FF2B5EF4-FFF2-40B4-BE49-F238E27FC236}">
-                <a16:creationId xmlns:a16="http://schemas.microsoft.com/office/drawing/2014/main" id="{588B6234-99D4-5514-61CB-D320B26FCC25}"/>
+                <a16:creationId xmlns:a16="http://schemas.microsoft.com/office/drawing/2014/main" id="{3AB4BE03-24A1-4D7A-9211-97AAB4198A54}"/>
               </a:ext>
             </a:extLst>
           </p:cNvPr>
@@ -5406,49 +5514,13 @@
             <a:spLocks noGrp="1"/>
           </p:cNvSpPr>
           <p:nvPr>
-            <p:ph type="ctrTitle"/>
+            <p:ph type="title"/>
           </p:nvPr>
         </p:nvSpPr>
         <p:spPr>
           <a:xfrm>
-            <a:off x="1261872" y="1028699"/>
-            <a:ext cx="9418320" cy="3862083"/>
-          </a:xfrm>
-        </p:spPr>
-        <p:txBody>
-          <a:bodyPr anchor="ctr">
-            <a:normAutofit/>
-          </a:bodyPr>
-          <a:lstStyle/>
-          <a:p>
-            <a:pPr algn="ctr"/>
-            <a:r>
-              <a:rPr lang="en-US" sz="6000" dirty="0"/>
-              <a:t>Expeditions Deli</a:t>
-            </a:r>
-          </a:p>
-        </p:txBody>
-      </p:sp>
-      <p:sp>
-        <p:nvSpPr>
-          <p:cNvPr id="3" name="Subtitle 2">
-            <a:extLst>
-              <a:ext uri="{FF2B5EF4-FFF2-40B4-BE49-F238E27FC236}">
-                <a16:creationId xmlns:a16="http://schemas.microsoft.com/office/drawing/2014/main" id="{8DFA7139-2A86-84F2-A9B4-30839B582272}"/>
-              </a:ext>
-            </a:extLst>
-          </p:cNvPr>
-          <p:cNvSpPr>
-            <a:spLocks noGrp="1"/>
-          </p:cNvSpPr>
-          <p:nvPr>
-            <p:ph type="subTitle" idx="1"/>
-          </p:nvPr>
-        </p:nvSpPr>
-        <p:spPr>
-          <a:xfrm>
-            <a:off x="1261872" y="5237670"/>
-            <a:ext cx="9418320" cy="1183261"/>
+            <a:off x="1261872" y="365760"/>
+            <a:ext cx="9692640" cy="777240"/>
           </a:xfrm>
         </p:spPr>
         <p:txBody>
@@ -5457,70 +5529,230 @@
           </a:bodyPr>
           <a:lstStyle/>
           <a:p>
-            <a:pPr algn="ctr"/>
-            <a:r>
-              <a:rPr lang="en-US" dirty="0"/>
-              <a:t>By Roderic Henry &amp; Tom Byrne</a:t>
-            </a:r>
-          </a:p>
-        </p:txBody>
-      </p:sp>
-      <p:cxnSp>
-        <p:nvCxnSpPr>
-          <p:cNvPr id="31" name="Straight Connector 30">
+            <a:r>
+              <a:rPr lang="en-US" sz="3200" dirty="0">
+                <a:solidFill>
+                  <a:srgbClr val="FFC000"/>
+                </a:solidFill>
+              </a:rPr>
+              <a:t>Submission Links:</a:t>
+            </a:r>
+          </a:p>
+        </p:txBody>
+      </p:sp>
+      <p:sp>
+        <p:nvSpPr>
+          <p:cNvPr id="3" name="Content Placeholder 2">
             <a:extLst>
               <a:ext uri="{FF2B5EF4-FFF2-40B4-BE49-F238E27FC236}">
-                <a16:creationId xmlns:a16="http://schemas.microsoft.com/office/drawing/2014/main" id="{D7E8ECA2-60A0-4D39-817D-F1E982ED7F9B}"/>
-              </a:ext>
-              <a:ext uri="{C183D7F6-B498-43B3-948B-1728B52AA6E4}">
-                <adec:decorative xmlns:adec="http://schemas.microsoft.com/office/drawing/2017/decorative" val="1"/>
+                <a16:creationId xmlns:a16="http://schemas.microsoft.com/office/drawing/2014/main" id="{A8B4EC4D-2518-2CEB-32BD-CAE088A514DC}"/>
               </a:ext>
             </a:extLst>
           </p:cNvPr>
-          <p:cNvCxnSpPr>
-            <a:cxnSpLocks noGrp="1" noRot="1" noChangeAspect="1" noMove="1" noResize="1" noEditPoints="1" noAdjustHandles="1" noChangeArrowheads="1" noChangeShapeType="1"/>
-          </p:cNvCxnSpPr>
-          <p:nvPr>
-            <p:extLst>
-              <p:ext uri="{386F3935-93C4-4BCD-93E2-E3B085C9AB24}">
-                <p16:designElem xmlns:p16="http://schemas.microsoft.com/office/powerpoint/2015/main" val="1"/>
-              </p:ext>
-            </p:extLst>
-          </p:nvPr>
-        </p:nvCxnSpPr>
+          <p:cNvSpPr>
+            <a:spLocks noGrp="1"/>
+          </p:cNvSpPr>
+          <p:nvPr>
+            <p:ph idx="1"/>
+          </p:nvPr>
+        </p:nvSpPr>
         <p:spPr>
-          <a:xfrm flipH="1">
-            <a:off x="5651500" y="5097592"/>
-            <a:ext cx="596394" cy="0"/>
+          <a:xfrm>
+            <a:off x="1261872" y="1638300"/>
+            <a:ext cx="8555228" cy="4603750"/>
           </a:xfrm>
-          <a:prstGeom prst="line">
-            <a:avLst/>
-          </a:prstGeom>
-          <a:ln w="12700">
-            <a:solidFill>
-              <a:schemeClr val="tx2"/>
-            </a:solidFill>
-          </a:ln>
         </p:spPr>
-        <p:style>
-          <a:lnRef idx="1">
-            <a:schemeClr val="accent1"/>
-          </a:lnRef>
-          <a:fillRef idx="0">
-            <a:schemeClr val="accent1"/>
-          </a:fillRef>
-          <a:effectRef idx="0">
-            <a:schemeClr val="accent1"/>
-          </a:effectRef>
-          <a:fontRef idx="minor">
-            <a:schemeClr val="tx1"/>
-          </a:fontRef>
-        </p:style>
-      </p:cxnSp>
+        <p:txBody>
+          <a:bodyPr>
+            <a:normAutofit/>
+          </a:bodyPr>
+          <a:lstStyle/>
+          <a:p>
+            <a:pPr>
+              <a:lnSpc>
+                <a:spcPct val="114000"/>
+              </a:lnSpc>
+              <a:spcAft>
+                <a:spcPts val="600"/>
+              </a:spcAft>
+              <a:buFont typeface="Wingdings" panose="05000000000000000000" pitchFamily="2" charset="2"/>
+              <a:buChar char="ü"/>
+            </a:pPr>
+            <a:r>
+              <a:rPr lang="en-US" dirty="0"/>
+              <a:t>Video Presentation</a:t>
+            </a:r>
+            <a:r>
+              <a:rPr lang="en-US" sz="1700" dirty="0"/>
+              <a:t>:  [</a:t>
+            </a:r>
+            <a:r>
+              <a:rPr lang="en-US" sz="1700" dirty="0">
+                <a:solidFill>
+                  <a:srgbClr val="00B050"/>
+                </a:solidFill>
+                <a:hlinkClick r:id="rId3">
+                  <a:extLst>
+                    <a:ext uri="{A12FA001-AC4F-418D-AE19-62706E023703}">
+                      <ahyp:hlinkClr xmlns:ahyp="http://schemas.microsoft.com/office/drawing/2018/hyperlinkcolor" val="tx"/>
+                    </a:ext>
+                  </a:extLst>
+                </a:hlinkClick>
+              </a:rPr>
+              <a:t>Click Here</a:t>
+            </a:r>
+            <a:r>
+              <a:rPr lang="en-US" sz="1700" dirty="0"/>
+              <a:t>] </a:t>
+            </a:r>
+            <a:endParaRPr lang="en-US" sz="1700" dirty="0">
+              <a:solidFill>
+                <a:srgbClr val="00B0F0"/>
+              </a:solidFill>
+            </a:endParaRPr>
+          </a:p>
+          <a:p>
+            <a:pPr>
+              <a:lnSpc>
+                <a:spcPct val="114000"/>
+              </a:lnSpc>
+              <a:spcAft>
+                <a:spcPts val="600"/>
+              </a:spcAft>
+              <a:buFont typeface="Wingdings" panose="05000000000000000000" pitchFamily="2" charset="2"/>
+              <a:buChar char="ü"/>
+            </a:pPr>
+            <a:r>
+              <a:rPr lang="en-US" dirty="0" err="1"/>
+              <a:t>Vercel</a:t>
+            </a:r>
+            <a:r>
+              <a:rPr lang="en-US" dirty="0"/>
+              <a:t> Deployment:  [</a:t>
+            </a:r>
+            <a:r>
+              <a:rPr lang="en-US" dirty="0">
+                <a:solidFill>
+                  <a:srgbClr val="00B050"/>
+                </a:solidFill>
+                <a:hlinkClick r:id="rId4">
+                  <a:extLst>
+                    <a:ext uri="{A12FA001-AC4F-418D-AE19-62706E023703}">
+                      <ahyp:hlinkClr xmlns:ahyp="http://schemas.microsoft.com/office/drawing/2018/hyperlinkcolor" val="tx"/>
+                    </a:ext>
+                  </a:extLst>
+                </a:hlinkClick>
+              </a:rPr>
+              <a:t>Click Here</a:t>
+            </a:r>
+            <a:r>
+              <a:rPr lang="en-US" dirty="0"/>
+              <a:t>] </a:t>
+            </a:r>
+            <a:endParaRPr lang="en-US" sz="1600" dirty="0"/>
+          </a:p>
+          <a:p>
+            <a:pPr>
+              <a:lnSpc>
+                <a:spcPct val="114000"/>
+              </a:lnSpc>
+              <a:spcAft>
+                <a:spcPts val="600"/>
+              </a:spcAft>
+              <a:buFont typeface="Wingdings" panose="05000000000000000000" pitchFamily="2" charset="2"/>
+              <a:buChar char="ü"/>
+            </a:pPr>
+            <a:r>
+              <a:rPr lang="en-US" sz="1700" dirty="0"/>
+              <a:t>GitHub Repository: [</a:t>
+            </a:r>
+            <a:r>
+              <a:rPr lang="en-US" sz="1700" dirty="0">
+                <a:solidFill>
+                  <a:srgbClr val="00B050"/>
+                </a:solidFill>
+                <a:hlinkClick r:id="rId5">
+                  <a:extLst>
+                    <a:ext uri="{A12FA001-AC4F-418D-AE19-62706E023703}">
+                      <ahyp:hlinkClr xmlns:ahyp="http://schemas.microsoft.com/office/drawing/2018/hyperlinkcolor" val="tx"/>
+                    </a:ext>
+                  </a:extLst>
+                </a:hlinkClick>
+              </a:rPr>
+              <a:t>Click Here</a:t>
+            </a:r>
+            <a:r>
+              <a:rPr lang="en-US" sz="1700" dirty="0"/>
+              <a:t>]</a:t>
+            </a:r>
+          </a:p>
+          <a:p>
+            <a:pPr>
+              <a:lnSpc>
+                <a:spcPct val="114000"/>
+              </a:lnSpc>
+              <a:spcAft>
+                <a:spcPts val="600"/>
+              </a:spcAft>
+              <a:buFont typeface="Wingdings" panose="05000000000000000000" pitchFamily="2" charset="2"/>
+              <a:buChar char="ü"/>
+            </a:pPr>
+            <a:r>
+              <a:rPr lang="en-US" sz="1600" dirty="0"/>
+              <a:t>Figma: </a:t>
+            </a:r>
+            <a:r>
+              <a:rPr lang="en-US" sz="1700" dirty="0"/>
+              <a:t>[</a:t>
+            </a:r>
+            <a:r>
+              <a:rPr lang="en-US" sz="1700" dirty="0">
+                <a:solidFill>
+                  <a:srgbClr val="00B050"/>
+                </a:solidFill>
+                <a:hlinkClick r:id="rId6">
+                  <a:extLst>
+                    <a:ext uri="{A12FA001-AC4F-418D-AE19-62706E023703}">
+                      <ahyp:hlinkClr xmlns:ahyp="http://schemas.microsoft.com/office/drawing/2018/hyperlinkcolor" val="tx"/>
+                    </a:ext>
+                  </a:extLst>
+                </a:hlinkClick>
+              </a:rPr>
+              <a:t>Click Here</a:t>
+            </a:r>
+            <a:r>
+              <a:rPr lang="en-US" sz="1700" dirty="0"/>
+              <a:t>]</a:t>
+            </a:r>
+          </a:p>
+          <a:p>
+            <a:pPr>
+              <a:lnSpc>
+                <a:spcPct val="114000"/>
+              </a:lnSpc>
+              <a:spcAft>
+                <a:spcPts val="600"/>
+              </a:spcAft>
+            </a:pPr>
+            <a:endParaRPr lang="en-US" sz="1700" dirty="0"/>
+          </a:p>
+          <a:p>
+            <a:pPr>
+              <a:lnSpc>
+                <a:spcPct val="114000"/>
+              </a:lnSpc>
+              <a:spcAft>
+                <a:spcPts val="600"/>
+              </a:spcAft>
+            </a:pPr>
+            <a:endParaRPr lang="en-US" sz="1700" dirty="0"/>
+          </a:p>
+        </p:txBody>
+      </p:sp>
     </p:spTree>
     <p:extLst>
       <p:ext uri="{BB962C8B-B14F-4D97-AF65-F5344CB8AC3E}">
-        <p14:creationId xmlns:p14="http://schemas.microsoft.com/office/powerpoint/2010/main" val="2707045480"/>
+        <p14:creationId xmlns:p14="http://schemas.microsoft.com/office/powerpoint/2010/main" val="2522105043"/>
       </p:ext>
     </p:extLst>
   </p:cSld>
@@ -5581,7 +5813,7 @@
                   <a:srgbClr val="FFC000"/>
                 </a:solidFill>
               </a:rPr>
-              <a:t>Quality Assurance</a:t>
+              <a:t>Technical Implementation</a:t>
             </a:r>
           </a:p>
         </p:txBody>
@@ -5604,13 +5836,13 @@
         </p:nvSpPr>
         <p:spPr>
           <a:xfrm>
-            <a:off x="1261871" y="1638299"/>
-            <a:ext cx="4373615" cy="3047067"/>
+            <a:off x="1261872" y="1638300"/>
+            <a:ext cx="8555228" cy="4603750"/>
           </a:xfrm>
         </p:spPr>
         <p:txBody>
           <a:bodyPr>
-            <a:normAutofit fontScale="92500" lnSpcReduction="20000"/>
+            <a:normAutofit/>
           </a:bodyPr>
           <a:lstStyle/>
           <a:p>
@@ -5623,13 +5855,42 @@
               </a:spcAft>
             </a:pPr>
             <a:r>
-              <a:rPr lang="en-US" sz="1500" dirty="0">
+              <a:rPr lang="en-US" dirty="0">
                 <a:solidFill>
                   <a:srgbClr val="00B0F0"/>
                 </a:solidFill>
               </a:rPr>
-              <a:t>Playwright Testing</a:t>
-            </a:r>
+              <a:t>Demo</a:t>
+            </a:r>
+            <a:r>
+              <a:rPr lang="en-US" sz="1700" dirty="0">
+                <a:solidFill>
+                  <a:srgbClr val="00B0F0"/>
+                </a:solidFill>
+              </a:rPr>
+              <a:t>:  </a:t>
+            </a:r>
+            <a:r>
+              <a:rPr lang="en-US" sz="1700" dirty="0"/>
+              <a:t>[</a:t>
+            </a:r>
+            <a:r>
+              <a:rPr lang="en-US" sz="1700" dirty="0">
+                <a:solidFill>
+                  <a:srgbClr val="92D050"/>
+                </a:solidFill>
+              </a:rPr>
+              <a:t>Click Here</a:t>
+            </a:r>
+            <a:r>
+              <a:rPr lang="en-US" sz="1700" dirty="0"/>
+              <a:t>] </a:t>
+            </a:r>
+            <a:endParaRPr lang="en-US" sz="1700" dirty="0">
+              <a:solidFill>
+                <a:srgbClr val="00B0F0"/>
+              </a:solidFill>
+            </a:endParaRPr>
           </a:p>
           <a:p>
             <a:pPr lvl="1">
@@ -5641,12 +5902,8 @@
               </a:spcAft>
             </a:pPr>
             <a:r>
-              <a:rPr lang="en-US" sz="1300" dirty="0">
-                <a:solidFill>
-                  <a:schemeClr val="tx1"/>
-                </a:solidFill>
-              </a:rPr>
-              <a:t>All landing page sections</a:t>
+              <a:rPr lang="en-US" sz="1500" dirty="0"/>
+              <a:t>Component usage</a:t>
             </a:r>
           </a:p>
           <a:p>
@@ -5659,12 +5916,8 @@
               </a:spcAft>
             </a:pPr>
             <a:r>
-              <a:rPr lang="en-US" sz="1300" dirty="0">
-                <a:solidFill>
-                  <a:schemeClr val="tx1"/>
-                </a:solidFill>
-              </a:rPr>
-              <a:t>Cookies consent</a:t>
+              <a:rPr lang="en-US" sz="1500" dirty="0"/>
+              <a:t>MailChimp Integration</a:t>
             </a:r>
           </a:p>
           <a:p>
@@ -5677,16 +5930,12 @@
               </a:spcAft>
             </a:pPr>
             <a:r>
-              <a:rPr lang="en-US" sz="1300" dirty="0">
-                <a:solidFill>
-                  <a:schemeClr val="tx1"/>
-                </a:solidFill>
-              </a:rPr>
-              <a:t>User subscription</a:t>
-            </a:r>
-          </a:p>
-          <a:p>
-            <a:pPr>
+              <a:rPr lang="en-US" sz="1500" dirty="0"/>
+              <a:t>Google Analytics</a:t>
+            </a:r>
+          </a:p>
+          <a:p>
+            <a:pPr lvl="1">
               <a:lnSpc>
                 <a:spcPct val="114000"/>
               </a:lnSpc>
@@ -5694,17 +5943,10 @@
                 <a:spcPts val="600"/>
               </a:spcAft>
             </a:pPr>
-            <a:r>
-              <a:rPr lang="en-US" sz="1500" dirty="0">
-                <a:solidFill>
-                  <a:srgbClr val="00B0F0"/>
-                </a:solidFill>
-              </a:rPr>
-              <a:t>Manual Testing</a:t>
-            </a:r>
-          </a:p>
-          <a:p>
-            <a:pPr lvl="1">
+            <a:endParaRPr lang="en-US" sz="1500" dirty="0"/>
+          </a:p>
+          <a:p>
+            <a:pPr>
               <a:lnSpc>
                 <a:spcPct val="114000"/>
               </a:lnSpc>
@@ -5713,16 +5955,39 @@
               </a:spcAft>
             </a:pPr>
             <a:r>
-              <a:rPr lang="en-US" sz="1300" dirty="0">
-                <a:solidFill>
-                  <a:schemeClr val="tx1"/>
+              <a:rPr lang="en-US" sz="1700" dirty="0">
+                <a:solidFill>
+                  <a:srgbClr val="00B0F0"/>
                 </a:solidFill>
               </a:rPr>
-              <a:t>Links</a:t>
-            </a:r>
-          </a:p>
-          <a:p>
-            <a:pPr lvl="1">
+              <a:t>GitHub Repository: </a:t>
+            </a:r>
+            <a:r>
+              <a:rPr lang="en-US" sz="1700" dirty="0"/>
+              <a:t>[</a:t>
+            </a:r>
+            <a:r>
+              <a:rPr lang="en-US" sz="1700" dirty="0">
+                <a:solidFill>
+                  <a:srgbClr val="92D050"/>
+                </a:solidFill>
+                <a:hlinkClick r:id="rId3">
+                  <a:extLst>
+                    <a:ext uri="{A12FA001-AC4F-418D-AE19-62706E023703}">
+                      <ahyp:hlinkClr xmlns:ahyp="http://schemas.microsoft.com/office/drawing/2018/hyperlinkcolor" val="tx"/>
+                    </a:ext>
+                  </a:extLst>
+                </a:hlinkClick>
+              </a:rPr>
+              <a:t>Click Here</a:t>
+            </a:r>
+            <a:r>
+              <a:rPr lang="en-US" sz="1700" dirty="0"/>
+              <a:t>]</a:t>
+            </a:r>
+          </a:p>
+          <a:p>
+            <a:pPr>
               <a:lnSpc>
                 <a:spcPct val="114000"/>
               </a:lnSpc>
@@ -5730,17 +5995,108 @@
                 <a:spcPts val="600"/>
               </a:spcAft>
             </a:pPr>
-            <a:r>
-              <a:rPr lang="en-US" sz="1300" dirty="0">
-                <a:solidFill>
-                  <a:schemeClr val="tx1"/>
+            <a:endParaRPr lang="en-US" sz="1700" dirty="0"/>
+          </a:p>
+        </p:txBody>
+      </p:sp>
+    </p:spTree>
+    <p:extLst>
+      <p:ext uri="{BB962C8B-B14F-4D97-AF65-F5344CB8AC3E}">
+        <p14:creationId xmlns:p14="http://schemas.microsoft.com/office/powerpoint/2010/main" val="3107002121"/>
+      </p:ext>
+    </p:extLst>
+  </p:cSld>
+  <p:clrMapOvr>
+    <a:masterClrMapping/>
+  </p:clrMapOvr>
+</p:sld>
+</file>
+
+<file path=ppt/slides/slide11.xml><?xml version="1.0" encoding="utf-8"?>
+<p:sld xmlns:a="http://schemas.openxmlformats.org/drawingml/2006/main" xmlns:r="http://schemas.openxmlformats.org/officeDocument/2006/relationships" xmlns:p="http://schemas.openxmlformats.org/presentationml/2006/main">
+  <p:cSld>
+    <p:spTree>
+      <p:nvGrpSpPr>
+        <p:cNvPr id="1" name=""/>
+        <p:cNvGrpSpPr/>
+        <p:nvPr/>
+      </p:nvGrpSpPr>
+      <p:grpSpPr>
+        <a:xfrm>
+          <a:off x="0" y="0"/>
+          <a:ext cx="0" cy="0"/>
+          <a:chOff x="0" y="0"/>
+          <a:chExt cx="0" cy="0"/>
+        </a:xfrm>
+      </p:grpSpPr>
+      <p:sp>
+        <p:nvSpPr>
+          <p:cNvPr id="2" name="Title 1">
+            <a:extLst>
+              <a:ext uri="{FF2B5EF4-FFF2-40B4-BE49-F238E27FC236}">
+                <a16:creationId xmlns:a16="http://schemas.microsoft.com/office/drawing/2014/main" id="{3AB4BE03-24A1-4D7A-9211-97AAB4198A54}"/>
+              </a:ext>
+            </a:extLst>
+          </p:cNvPr>
+          <p:cNvSpPr>
+            <a:spLocks noGrp="1"/>
+          </p:cNvSpPr>
+          <p:nvPr>
+            <p:ph type="title"/>
+          </p:nvPr>
+        </p:nvSpPr>
+        <p:spPr>
+          <a:xfrm>
+            <a:off x="1261872" y="365760"/>
+            <a:ext cx="9692640" cy="777240"/>
+          </a:xfrm>
+        </p:spPr>
+        <p:txBody>
+          <a:bodyPr>
+            <a:normAutofit/>
+          </a:bodyPr>
+          <a:lstStyle/>
+          <a:p>
+            <a:r>
+              <a:rPr lang="en-US" sz="3200" dirty="0">
+                <a:solidFill>
+                  <a:srgbClr val="FFC000"/>
                 </a:solidFill>
               </a:rPr>
-              <a:t>Local storage states from cookies consent</a:t>
-            </a:r>
-          </a:p>
-          <a:p>
-            <a:pPr lvl="1">
+              <a:t>Quality Assurance</a:t>
+            </a:r>
+          </a:p>
+        </p:txBody>
+      </p:sp>
+      <p:sp>
+        <p:nvSpPr>
+          <p:cNvPr id="3" name="Content Placeholder 2">
+            <a:extLst>
+              <a:ext uri="{FF2B5EF4-FFF2-40B4-BE49-F238E27FC236}">
+                <a16:creationId xmlns:a16="http://schemas.microsoft.com/office/drawing/2014/main" id="{A8B4EC4D-2518-2CEB-32BD-CAE088A514DC}"/>
+              </a:ext>
+            </a:extLst>
+          </p:cNvPr>
+          <p:cNvSpPr>
+            <a:spLocks noGrp="1"/>
+          </p:cNvSpPr>
+          <p:nvPr>
+            <p:ph idx="1"/>
+          </p:nvPr>
+        </p:nvSpPr>
+        <p:spPr>
+          <a:xfrm>
+            <a:off x="1261872" y="1638300"/>
+            <a:ext cx="4333016" cy="2809714"/>
+          </a:xfrm>
+        </p:spPr>
+        <p:txBody>
+          <a:bodyPr>
+            <a:normAutofit/>
+          </a:bodyPr>
+          <a:lstStyle/>
+          <a:p>
+            <a:pPr>
               <a:lnSpc>
                 <a:spcPct val="114000"/>
               </a:lnSpc>
@@ -5749,12 +6105,102 @@
               </a:spcAft>
             </a:pPr>
             <a:r>
+              <a:rPr lang="en-US" sz="1500" dirty="0">
+                <a:solidFill>
+                  <a:srgbClr val="00B0F0"/>
+                </a:solidFill>
+              </a:rPr>
+              <a:t>Playwright Testing</a:t>
+            </a:r>
+          </a:p>
+          <a:p>
+            <a:pPr lvl="1">
+              <a:lnSpc>
+                <a:spcPct val="114000"/>
+              </a:lnSpc>
+              <a:spcAft>
+                <a:spcPts val="600"/>
+              </a:spcAft>
+            </a:pPr>
+            <a:r>
               <a:rPr lang="en-US" sz="1300" dirty="0">
                 <a:solidFill>
                   <a:schemeClr val="tx1"/>
                 </a:solidFill>
               </a:rPr>
-              <a:t>Google Analytics tracking</a:t>
+              <a:t>All landing page sections</a:t>
+            </a:r>
+          </a:p>
+          <a:p>
+            <a:pPr lvl="1">
+              <a:lnSpc>
+                <a:spcPct val="114000"/>
+              </a:lnSpc>
+              <a:spcAft>
+                <a:spcPts val="600"/>
+              </a:spcAft>
+            </a:pPr>
+            <a:r>
+              <a:rPr lang="en-US" sz="1300" dirty="0">
+                <a:solidFill>
+                  <a:schemeClr val="tx1"/>
+                </a:solidFill>
+              </a:rPr>
+              <a:t>Cookies consent</a:t>
+            </a:r>
+          </a:p>
+          <a:p>
+            <a:pPr>
+              <a:lnSpc>
+                <a:spcPct val="114000"/>
+              </a:lnSpc>
+              <a:spcAft>
+                <a:spcPts val="600"/>
+              </a:spcAft>
+            </a:pPr>
+            <a:r>
+              <a:rPr lang="en-US" sz="1500" dirty="0">
+                <a:solidFill>
+                  <a:srgbClr val="00B0F0"/>
+                </a:solidFill>
+              </a:rPr>
+              <a:t>Manual Testing</a:t>
+            </a:r>
+          </a:p>
+          <a:p>
+            <a:pPr lvl="1">
+              <a:lnSpc>
+                <a:spcPct val="114000"/>
+              </a:lnSpc>
+              <a:spcAft>
+                <a:spcPts val="600"/>
+              </a:spcAft>
+            </a:pPr>
+            <a:r>
+              <a:rPr lang="en-US" sz="1300" dirty="0">
+                <a:solidFill>
+                  <a:schemeClr val="tx1"/>
+                </a:solidFill>
+              </a:rPr>
+              <a:t>Links</a:t>
+            </a:r>
+          </a:p>
+          <a:p>
+            <a:pPr lvl="1">
+              <a:lnSpc>
+                <a:spcPct val="114000"/>
+              </a:lnSpc>
+              <a:spcAft>
+                <a:spcPts val="600"/>
+              </a:spcAft>
+            </a:pPr>
+            <a:r>
+              <a:rPr lang="en-US" sz="1300" dirty="0">
+                <a:solidFill>
+                  <a:schemeClr val="tx1"/>
+                </a:solidFill>
+              </a:rPr>
+              <a:t>Local storage states from cookies consent</a:t>
             </a:r>
           </a:p>
           <a:p>
@@ -5911,6 +6357,168 @@
 <file path=ppt/slides/slide2.xml><?xml version="1.0" encoding="utf-8"?>
 <p:sld xmlns:a="http://schemas.openxmlformats.org/drawingml/2006/main" xmlns:r="http://schemas.openxmlformats.org/officeDocument/2006/relationships" xmlns:p="http://schemas.openxmlformats.org/presentationml/2006/main">
   <p:cSld>
+    <p:bg>
+      <p:bgPr>
+        <a:solidFill>
+          <a:schemeClr val="bg1"/>
+        </a:solidFill>
+        <a:effectLst/>
+      </p:bgPr>
+    </p:bg>
+    <p:spTree>
+      <p:nvGrpSpPr>
+        <p:cNvPr id="1" name=""/>
+        <p:cNvGrpSpPr/>
+        <p:nvPr/>
+      </p:nvGrpSpPr>
+      <p:grpSpPr>
+        <a:xfrm>
+          <a:off x="0" y="0"/>
+          <a:ext cx="0" cy="0"/>
+          <a:chOff x="0" y="0"/>
+          <a:chExt cx="0" cy="0"/>
+        </a:xfrm>
+      </p:grpSpPr>
+      <p:sp>
+        <p:nvSpPr>
+          <p:cNvPr id="2" name="Title 1">
+            <a:extLst>
+              <a:ext uri="{FF2B5EF4-FFF2-40B4-BE49-F238E27FC236}">
+                <a16:creationId xmlns:a16="http://schemas.microsoft.com/office/drawing/2014/main" id="{588B6234-99D4-5514-61CB-D320B26FCC25}"/>
+              </a:ext>
+            </a:extLst>
+          </p:cNvPr>
+          <p:cNvSpPr>
+            <a:spLocks noGrp="1"/>
+          </p:cNvSpPr>
+          <p:nvPr>
+            <p:ph type="ctrTitle"/>
+          </p:nvPr>
+        </p:nvSpPr>
+        <p:spPr>
+          <a:xfrm>
+            <a:off x="1261872" y="1028699"/>
+            <a:ext cx="9418320" cy="3862083"/>
+          </a:xfrm>
+        </p:spPr>
+        <p:txBody>
+          <a:bodyPr anchor="ctr">
+            <a:normAutofit/>
+          </a:bodyPr>
+          <a:lstStyle/>
+          <a:p>
+            <a:pPr algn="ctr"/>
+            <a:r>
+              <a:rPr lang="en-US" sz="6000" dirty="0"/>
+              <a:t>Expeditions Deli</a:t>
+            </a:r>
+          </a:p>
+        </p:txBody>
+      </p:sp>
+      <p:sp>
+        <p:nvSpPr>
+          <p:cNvPr id="3" name="Subtitle 2">
+            <a:extLst>
+              <a:ext uri="{FF2B5EF4-FFF2-40B4-BE49-F238E27FC236}">
+                <a16:creationId xmlns:a16="http://schemas.microsoft.com/office/drawing/2014/main" id="{8DFA7139-2A86-84F2-A9B4-30839B582272}"/>
+              </a:ext>
+            </a:extLst>
+          </p:cNvPr>
+          <p:cNvSpPr>
+            <a:spLocks noGrp="1"/>
+          </p:cNvSpPr>
+          <p:nvPr>
+            <p:ph type="subTitle" idx="1"/>
+          </p:nvPr>
+        </p:nvSpPr>
+        <p:spPr>
+          <a:xfrm>
+            <a:off x="1261872" y="5237670"/>
+            <a:ext cx="9418320" cy="1183261"/>
+          </a:xfrm>
+        </p:spPr>
+        <p:txBody>
+          <a:bodyPr>
+            <a:normAutofit/>
+          </a:bodyPr>
+          <a:lstStyle/>
+          <a:p>
+            <a:pPr algn="ctr"/>
+            <a:r>
+              <a:rPr lang="en-US" dirty="0"/>
+              <a:t>By Roderic Henry &amp; Tom Byrne</a:t>
+            </a:r>
+          </a:p>
+        </p:txBody>
+      </p:sp>
+      <p:cxnSp>
+        <p:nvCxnSpPr>
+          <p:cNvPr id="31" name="Straight Connector 30">
+            <a:extLst>
+              <a:ext uri="{FF2B5EF4-FFF2-40B4-BE49-F238E27FC236}">
+                <a16:creationId xmlns:a16="http://schemas.microsoft.com/office/drawing/2014/main" id="{D7E8ECA2-60A0-4D39-817D-F1E982ED7F9B}"/>
+              </a:ext>
+              <a:ext uri="{C183D7F6-B498-43B3-948B-1728B52AA6E4}">
+                <adec:decorative xmlns:adec="http://schemas.microsoft.com/office/drawing/2017/decorative" val="1"/>
+              </a:ext>
+            </a:extLst>
+          </p:cNvPr>
+          <p:cNvCxnSpPr>
+            <a:cxnSpLocks noGrp="1" noRot="1" noChangeAspect="1" noMove="1" noResize="1" noEditPoints="1" noAdjustHandles="1" noChangeArrowheads="1" noChangeShapeType="1"/>
+          </p:cNvCxnSpPr>
+          <p:nvPr>
+            <p:extLst>
+              <p:ext uri="{386F3935-93C4-4BCD-93E2-E3B085C9AB24}">
+                <p16:designElem xmlns:p16="http://schemas.microsoft.com/office/powerpoint/2015/main" val="1"/>
+              </p:ext>
+            </p:extLst>
+          </p:nvPr>
+        </p:nvCxnSpPr>
+        <p:spPr>
+          <a:xfrm flipH="1">
+            <a:off x="5651500" y="5097592"/>
+            <a:ext cx="596394" cy="0"/>
+          </a:xfrm>
+          <a:prstGeom prst="line">
+            <a:avLst/>
+          </a:prstGeom>
+          <a:ln w="12700">
+            <a:solidFill>
+              <a:schemeClr val="tx2"/>
+            </a:solidFill>
+          </a:ln>
+        </p:spPr>
+        <p:style>
+          <a:lnRef idx="1">
+            <a:schemeClr val="accent1"/>
+          </a:lnRef>
+          <a:fillRef idx="0">
+            <a:schemeClr val="accent1"/>
+          </a:fillRef>
+          <a:effectRef idx="0">
+            <a:schemeClr val="accent1"/>
+          </a:effectRef>
+          <a:fontRef idx="minor">
+            <a:schemeClr val="tx1"/>
+          </a:fontRef>
+        </p:style>
+      </p:cxnSp>
+    </p:spTree>
+    <p:extLst>
+      <p:ext uri="{BB962C8B-B14F-4D97-AF65-F5344CB8AC3E}">
+        <p14:creationId xmlns:p14="http://schemas.microsoft.com/office/powerpoint/2010/main" val="2707045480"/>
+      </p:ext>
+    </p:extLst>
+  </p:cSld>
+  <p:clrMapOvr>
+    <a:masterClrMapping/>
+  </p:clrMapOvr>
+</p:sld>
+</file>
+
+<file path=ppt/slides/slide3.xml><?xml version="1.0" encoding="utf-8"?>
+<p:sld xmlns:a="http://schemas.openxmlformats.org/drawingml/2006/main" xmlns:r="http://schemas.openxmlformats.org/officeDocument/2006/relationships" xmlns:p="http://schemas.openxmlformats.org/presentationml/2006/main">
+  <p:cSld>
     <p:spTree>
       <p:nvGrpSpPr>
         <p:cNvPr id="1" name=""/>
@@ -6443,7 +7051,7 @@
 </p:sld>
 </file>
 
-<file path=ppt/slides/slide3.xml><?xml version="1.0" encoding="utf-8"?>
+<file path=ppt/slides/slide4.xml><?xml version="1.0" encoding="utf-8"?>
 <p:sld xmlns:a="http://schemas.openxmlformats.org/drawingml/2006/main" xmlns:r="http://schemas.openxmlformats.org/officeDocument/2006/relationships" xmlns:p="http://schemas.openxmlformats.org/presentationml/2006/main">
   <p:cSld>
     <p:spTree>
@@ -6648,7 +7256,7 @@
 </p:sld>
 </file>
 
-<file path=ppt/slides/slide4.xml><?xml version="1.0" encoding="utf-8"?>
+<file path=ppt/slides/slide5.xml><?xml version="1.0" encoding="utf-8"?>
 <p:sld xmlns:a="http://schemas.openxmlformats.org/drawingml/2006/main" xmlns:r="http://schemas.openxmlformats.org/officeDocument/2006/relationships" xmlns:p="http://schemas.openxmlformats.org/presentationml/2006/main">
   <p:cSld>
     <p:spTree>
@@ -7269,7 +7877,7 @@
 </p:sld>
 </file>
 
-<file path=ppt/slides/slide5.xml><?xml version="1.0" encoding="utf-8"?>
+<file path=ppt/slides/slide6.xml><?xml version="1.0" encoding="utf-8"?>
 <p:sld xmlns:a="http://schemas.openxmlformats.org/drawingml/2006/main" xmlns:r="http://schemas.openxmlformats.org/officeDocument/2006/relationships" xmlns:p="http://schemas.openxmlformats.org/presentationml/2006/main">
   <p:cSld>
     <p:spTree>
@@ -7860,7 +8468,7 @@
 </p:sld>
 </file>
 
-<file path=ppt/slides/slide6.xml><?xml version="1.0" encoding="utf-8"?>
+<file path=ppt/slides/slide7.xml><?xml version="1.0" encoding="utf-8"?>
 <p:sld xmlns:a="http://schemas.openxmlformats.org/drawingml/2006/main" xmlns:r="http://schemas.openxmlformats.org/officeDocument/2006/relationships" xmlns:p="http://schemas.openxmlformats.org/presentationml/2006/main">
   <p:cSld>
     <p:spTree>
@@ -7958,7 +8566,7 @@
                   <a:srgbClr val="00B0F0"/>
                 </a:solidFill>
               </a:rPr>
-              <a:t>Final Design: </a:t>
+              <a:t>Final Figma Design: </a:t>
             </a:r>
             <a:r>
               <a:rPr lang="en-US" dirty="0"/>
@@ -7967,7 +8575,7 @@
             <a:r>
               <a:rPr lang="en-US" dirty="0">
                 <a:solidFill>
-                  <a:srgbClr val="92D050"/>
+                  <a:srgbClr val="00B050"/>
                 </a:solidFill>
                 <a:hlinkClick r:id="rId2">
                   <a:extLst>
@@ -7977,7 +8585,7 @@
                   </a:extLst>
                 </a:hlinkClick>
               </a:rPr>
-              <a:t>Click here to view our Figma Project</a:t>
+              <a:t>Click Here</a:t>
             </a:r>
             <a:r>
               <a:rPr lang="en-US" dirty="0"/>
@@ -7997,6 +8605,42 @@
           </a:p>
         </p:txBody>
       </p:sp>
+      <p:pic>
+        <p:nvPicPr>
+          <p:cNvPr id="5" name="Picture 4" descr="A screenshot of a food ordering app">
+            <a:extLst>
+              <a:ext uri="{FF2B5EF4-FFF2-40B4-BE49-F238E27FC236}">
+                <a16:creationId xmlns:a16="http://schemas.microsoft.com/office/drawing/2014/main" id="{04C07482-4E2E-D633-E761-7E01D6891C3F}"/>
+              </a:ext>
+            </a:extLst>
+          </p:cNvPr>
+          <p:cNvPicPr>
+            <a:picLocks noChangeAspect="1"/>
+          </p:cNvPicPr>
+          <p:nvPr/>
+        </p:nvPicPr>
+        <p:blipFill>
+          <a:blip r:embed="rId3">
+            <a:extLst>
+              <a:ext uri="{28A0092B-C50C-407E-A947-70E740481C1C}">
+                <a14:useLocalDpi xmlns:a14="http://schemas.microsoft.com/office/drawing/2010/main" val="0"/>
+              </a:ext>
+            </a:extLst>
+          </a:blip>
+          <a:stretch>
+            <a:fillRect/>
+          </a:stretch>
+        </p:blipFill>
+        <p:spPr>
+          <a:xfrm>
+            <a:off x="8381565" y="463825"/>
+            <a:ext cx="2417539" cy="6182139"/>
+          </a:xfrm>
+          <a:prstGeom prst="rect">
+            <a:avLst/>
+          </a:prstGeom>
+        </p:spPr>
+      </p:pic>
     </p:spTree>
     <p:extLst>
       <p:ext uri="{BB962C8B-B14F-4D97-AF65-F5344CB8AC3E}">
@@ -8010,7 +8654,376 @@
 </p:sld>
 </file>
 
-<file path=ppt/slides/slide7.xml><?xml version="1.0" encoding="utf-8"?>
+<file path=ppt/slides/slide8.xml><?xml version="1.0" encoding="utf-8"?>
+<p:sld xmlns:a="http://schemas.openxmlformats.org/drawingml/2006/main" xmlns:r="http://schemas.openxmlformats.org/officeDocument/2006/relationships" xmlns:p="http://schemas.openxmlformats.org/presentationml/2006/main">
+  <p:cSld>
+    <p:spTree>
+      <p:nvGrpSpPr>
+        <p:cNvPr id="1" name=""/>
+        <p:cNvGrpSpPr/>
+        <p:nvPr/>
+      </p:nvGrpSpPr>
+      <p:grpSpPr>
+        <a:xfrm>
+          <a:off x="0" y="0"/>
+          <a:ext cx="0" cy="0"/>
+          <a:chOff x="0" y="0"/>
+          <a:chExt cx="0" cy="0"/>
+        </a:xfrm>
+      </p:grpSpPr>
+      <p:sp>
+        <p:nvSpPr>
+          <p:cNvPr id="2" name="Title 1">
+            <a:extLst>
+              <a:ext uri="{FF2B5EF4-FFF2-40B4-BE49-F238E27FC236}">
+                <a16:creationId xmlns:a16="http://schemas.microsoft.com/office/drawing/2014/main" id="{3AB4BE03-24A1-4D7A-9211-97AAB4198A54}"/>
+              </a:ext>
+            </a:extLst>
+          </p:cNvPr>
+          <p:cNvSpPr>
+            <a:spLocks noGrp="1"/>
+          </p:cNvSpPr>
+          <p:nvPr>
+            <p:ph type="title"/>
+          </p:nvPr>
+        </p:nvSpPr>
+        <p:spPr>
+          <a:xfrm>
+            <a:off x="1261872" y="365760"/>
+            <a:ext cx="9692640" cy="777240"/>
+          </a:xfrm>
+        </p:spPr>
+        <p:txBody>
+          <a:bodyPr>
+            <a:normAutofit/>
+          </a:bodyPr>
+          <a:lstStyle/>
+          <a:p>
+            <a:r>
+              <a:rPr lang="en-US" sz="3200" dirty="0">
+                <a:solidFill>
+                  <a:srgbClr val="FFC000"/>
+                </a:solidFill>
+              </a:rPr>
+              <a:t>Design Quality</a:t>
+            </a:r>
+          </a:p>
+        </p:txBody>
+      </p:sp>
+      <p:sp>
+        <p:nvSpPr>
+          <p:cNvPr id="3" name="Content Placeholder 2">
+            <a:extLst>
+              <a:ext uri="{FF2B5EF4-FFF2-40B4-BE49-F238E27FC236}">
+                <a16:creationId xmlns:a16="http://schemas.microsoft.com/office/drawing/2014/main" id="{A8B4EC4D-2518-2CEB-32BD-CAE088A514DC}"/>
+              </a:ext>
+            </a:extLst>
+          </p:cNvPr>
+          <p:cNvSpPr>
+            <a:spLocks noGrp="1"/>
+          </p:cNvSpPr>
+          <p:nvPr>
+            <p:ph idx="1"/>
+          </p:nvPr>
+        </p:nvSpPr>
+        <p:spPr>
+          <a:xfrm>
+            <a:off x="1261872" y="1638300"/>
+            <a:ext cx="8850772" cy="4853940"/>
+          </a:xfrm>
+        </p:spPr>
+        <p:txBody>
+          <a:bodyPr>
+            <a:normAutofit fontScale="92500" lnSpcReduction="20000"/>
+          </a:bodyPr>
+          <a:lstStyle/>
+          <a:p>
+            <a:pPr>
+              <a:lnSpc>
+                <a:spcPct val="114000"/>
+              </a:lnSpc>
+              <a:spcAft>
+                <a:spcPts val="600"/>
+              </a:spcAft>
+            </a:pPr>
+            <a:r>
+              <a:rPr lang="en-US" b="1" dirty="0">
+                <a:solidFill>
+                  <a:srgbClr val="00B0F0"/>
+                </a:solidFill>
+              </a:rPr>
+              <a:t>Persuasion Methods</a:t>
+            </a:r>
+          </a:p>
+          <a:p>
+            <a:pPr marL="617220" lvl="1" indent="-342900">
+              <a:lnSpc>
+                <a:spcPct val="114000"/>
+              </a:lnSpc>
+              <a:spcAft>
+                <a:spcPts val="600"/>
+              </a:spcAft>
+              <a:buFont typeface="+mj-lt"/>
+              <a:buAutoNum type="arabicPeriod"/>
+            </a:pPr>
+            <a:r>
+              <a:rPr lang="en-US" dirty="0">
+                <a:solidFill>
+                  <a:schemeClr val="tx1"/>
+                </a:solidFill>
+              </a:rPr>
+              <a:t>Scarcity – Limited time offers on unique sandwiches and sales</a:t>
+            </a:r>
+          </a:p>
+          <a:p>
+            <a:pPr marL="617220" lvl="1" indent="-342900">
+              <a:lnSpc>
+                <a:spcPct val="114000"/>
+              </a:lnSpc>
+              <a:spcAft>
+                <a:spcPts val="600"/>
+              </a:spcAft>
+              <a:buFont typeface="+mj-lt"/>
+              <a:buAutoNum type="arabicPeriod"/>
+            </a:pPr>
+            <a:r>
+              <a:rPr lang="en-US" dirty="0">
+                <a:solidFill>
+                  <a:schemeClr val="tx1"/>
+                </a:solidFill>
+              </a:rPr>
+              <a:t>Reciprocity – Sales</a:t>
+            </a:r>
+          </a:p>
+          <a:p>
+            <a:pPr marL="617220" lvl="1" indent="-342900">
+              <a:lnSpc>
+                <a:spcPct val="114000"/>
+              </a:lnSpc>
+              <a:spcAft>
+                <a:spcPts val="600"/>
+              </a:spcAft>
+              <a:buFont typeface="+mj-lt"/>
+              <a:buAutoNum type="arabicPeriod"/>
+            </a:pPr>
+            <a:r>
+              <a:rPr lang="en-US" dirty="0">
+                <a:solidFill>
+                  <a:schemeClr val="tx1"/>
+                </a:solidFill>
+              </a:rPr>
+              <a:t>Social Proof – Expeditions Deli ratings on each of the delivery platforms</a:t>
+            </a:r>
+          </a:p>
+          <a:p>
+            <a:pPr marL="617220" lvl="1" indent="-342900">
+              <a:lnSpc>
+                <a:spcPct val="114000"/>
+              </a:lnSpc>
+              <a:spcAft>
+                <a:spcPts val="600"/>
+              </a:spcAft>
+              <a:buFont typeface="+mj-lt"/>
+              <a:buAutoNum type="arabicPeriod"/>
+            </a:pPr>
+            <a:r>
+              <a:rPr lang="en-US" dirty="0">
+                <a:solidFill>
+                  <a:schemeClr val="tx1"/>
+                </a:solidFill>
+              </a:rPr>
+              <a:t>Consistency – “Get Notified” section to engage customers with rotating deals</a:t>
+            </a:r>
+          </a:p>
+          <a:p>
+            <a:pPr marL="617220" lvl="1" indent="-342900">
+              <a:lnSpc>
+                <a:spcPct val="114000"/>
+              </a:lnSpc>
+              <a:spcAft>
+                <a:spcPts val="600"/>
+              </a:spcAft>
+              <a:buFont typeface="+mj-lt"/>
+              <a:buAutoNum type="arabicPeriod"/>
+            </a:pPr>
+            <a:r>
+              <a:rPr lang="en-US" dirty="0">
+                <a:solidFill>
+                  <a:schemeClr val="tx1"/>
+                </a:solidFill>
+              </a:rPr>
+              <a:t>Liking – Hero image of happy couple</a:t>
+            </a:r>
+          </a:p>
+          <a:p>
+            <a:pPr marL="274320" lvl="1" indent="0">
+              <a:lnSpc>
+                <a:spcPct val="114000"/>
+              </a:lnSpc>
+              <a:spcAft>
+                <a:spcPts val="600"/>
+              </a:spcAft>
+              <a:buNone/>
+            </a:pPr>
+            <a:endParaRPr lang="en-US" dirty="0">
+              <a:solidFill>
+                <a:schemeClr val="tx1"/>
+              </a:solidFill>
+            </a:endParaRPr>
+          </a:p>
+          <a:p>
+            <a:pPr>
+              <a:lnSpc>
+                <a:spcPct val="114000"/>
+              </a:lnSpc>
+              <a:spcAft>
+                <a:spcPts val="600"/>
+              </a:spcAft>
+            </a:pPr>
+            <a:r>
+              <a:rPr lang="en-US" b="1" dirty="0">
+                <a:solidFill>
+                  <a:srgbClr val="00B0F0"/>
+                </a:solidFill>
+              </a:rPr>
+              <a:t>Key Design Considerations</a:t>
+            </a:r>
+          </a:p>
+          <a:p>
+            <a:pPr lvl="1">
+              <a:lnSpc>
+                <a:spcPct val="114000"/>
+              </a:lnSpc>
+              <a:spcAft>
+                <a:spcPts val="600"/>
+              </a:spcAft>
+            </a:pPr>
+            <a:r>
+              <a:rPr lang="en-US" dirty="0">
+                <a:solidFill>
+                  <a:schemeClr val="tx1"/>
+                </a:solidFill>
+              </a:rPr>
+              <a:t>Archetype</a:t>
+            </a:r>
+          </a:p>
+          <a:p>
+            <a:pPr lvl="1">
+              <a:lnSpc>
+                <a:spcPct val="114000"/>
+              </a:lnSpc>
+              <a:spcAft>
+                <a:spcPts val="600"/>
+              </a:spcAft>
+            </a:pPr>
+            <a:r>
+              <a:rPr lang="en-US" dirty="0">
+                <a:solidFill>
+                  <a:schemeClr val="tx1"/>
+                </a:solidFill>
+              </a:rPr>
+              <a:t>Simplicity</a:t>
+            </a:r>
+          </a:p>
+          <a:p>
+            <a:pPr lvl="1">
+              <a:lnSpc>
+                <a:spcPct val="114000"/>
+              </a:lnSpc>
+              <a:spcAft>
+                <a:spcPts val="600"/>
+              </a:spcAft>
+            </a:pPr>
+            <a:r>
+              <a:rPr lang="en-US" u="sng" dirty="0">
+                <a:solidFill>
+                  <a:schemeClr val="tx1"/>
+                </a:solidFill>
+              </a:rPr>
+              <a:t>Technical requirements:</a:t>
+            </a:r>
+          </a:p>
+          <a:p>
+            <a:pPr lvl="2">
+              <a:lnSpc>
+                <a:spcPct val="114000"/>
+              </a:lnSpc>
+              <a:spcAft>
+                <a:spcPts val="600"/>
+              </a:spcAft>
+            </a:pPr>
+            <a:r>
+              <a:rPr lang="en-US" dirty="0">
+                <a:solidFill>
+                  <a:schemeClr val="tx1"/>
+                </a:solidFill>
+              </a:rPr>
+              <a:t>ReactJS component library – Material UI (MUI)</a:t>
+            </a:r>
+          </a:p>
+          <a:p>
+            <a:pPr lvl="2">
+              <a:lnSpc>
+                <a:spcPct val="114000"/>
+              </a:lnSpc>
+              <a:spcAft>
+                <a:spcPts val="600"/>
+              </a:spcAft>
+            </a:pPr>
+            <a:r>
+              <a:rPr lang="en-US" dirty="0">
+                <a:solidFill>
+                  <a:schemeClr val="tx1"/>
+                </a:solidFill>
+              </a:rPr>
+              <a:t>Cookie consent and privacy policy</a:t>
+            </a:r>
+          </a:p>
+          <a:p>
+            <a:pPr lvl="2">
+              <a:lnSpc>
+                <a:spcPct val="114000"/>
+              </a:lnSpc>
+              <a:spcAft>
+                <a:spcPts val="600"/>
+              </a:spcAft>
+            </a:pPr>
+            <a:r>
+              <a:rPr lang="en-US" dirty="0">
+                <a:solidFill>
+                  <a:schemeClr val="tx1"/>
+                </a:solidFill>
+              </a:rPr>
+              <a:t>Mailchimp</a:t>
+            </a:r>
+          </a:p>
+          <a:p>
+            <a:pPr>
+              <a:lnSpc>
+                <a:spcPct val="114000"/>
+              </a:lnSpc>
+              <a:spcAft>
+                <a:spcPts val="600"/>
+              </a:spcAft>
+            </a:pPr>
+            <a:endParaRPr lang="en-US" sz="1700" dirty="0"/>
+          </a:p>
+        </p:txBody>
+      </p:sp>
+    </p:spTree>
+    <p:extLst>
+      <p:ext uri="{BB962C8B-B14F-4D97-AF65-F5344CB8AC3E}">
+        <p14:creationId xmlns:p14="http://schemas.microsoft.com/office/powerpoint/2010/main" val="3543655349"/>
+      </p:ext>
+    </p:extLst>
+  </p:cSld>
+  <p:clrMapOvr>
+    <a:masterClrMapping/>
+  </p:clrMapOvr>
+</p:sld>
+</file>
+
+<file path=ppt/slides/slide9.xml><?xml version="1.0" encoding="utf-8"?>
 <p:sld xmlns:a="http://schemas.openxmlformats.org/drawingml/2006/main" xmlns:r="http://schemas.openxmlformats.org/officeDocument/2006/relationships" xmlns:p="http://schemas.openxmlformats.org/presentationml/2006/main">
   <p:cSld>
     <p:spTree>
@@ -8324,606 +9337,6 @@
     <p:extLst>
       <p:ext uri="{BB962C8B-B14F-4D97-AF65-F5344CB8AC3E}">
         <p14:creationId xmlns:p14="http://schemas.microsoft.com/office/powerpoint/2010/main" val="2210640162"/>
-      </p:ext>
-    </p:extLst>
-  </p:cSld>
-  <p:clrMapOvr>
-    <a:masterClrMapping/>
-  </p:clrMapOvr>
-</p:sld>
-</file>
-
-<file path=ppt/slides/slide8.xml><?xml version="1.0" encoding="utf-8"?>
-<p:sld xmlns:a="http://schemas.openxmlformats.org/drawingml/2006/main" xmlns:r="http://schemas.openxmlformats.org/officeDocument/2006/relationships" xmlns:p="http://schemas.openxmlformats.org/presentationml/2006/main">
-  <p:cSld>
-    <p:spTree>
-      <p:nvGrpSpPr>
-        <p:cNvPr id="1" name=""/>
-        <p:cNvGrpSpPr/>
-        <p:nvPr/>
-      </p:nvGrpSpPr>
-      <p:grpSpPr>
-        <a:xfrm>
-          <a:off x="0" y="0"/>
-          <a:ext cx="0" cy="0"/>
-          <a:chOff x="0" y="0"/>
-          <a:chExt cx="0" cy="0"/>
-        </a:xfrm>
-      </p:grpSpPr>
-      <p:sp>
-        <p:nvSpPr>
-          <p:cNvPr id="2" name="Title 1">
-            <a:extLst>
-              <a:ext uri="{FF2B5EF4-FFF2-40B4-BE49-F238E27FC236}">
-                <a16:creationId xmlns:a16="http://schemas.microsoft.com/office/drawing/2014/main" id="{3AB4BE03-24A1-4D7A-9211-97AAB4198A54}"/>
-              </a:ext>
-            </a:extLst>
-          </p:cNvPr>
-          <p:cNvSpPr>
-            <a:spLocks noGrp="1"/>
-          </p:cNvSpPr>
-          <p:nvPr>
-            <p:ph type="title"/>
-          </p:nvPr>
-        </p:nvSpPr>
-        <p:spPr>
-          <a:xfrm>
-            <a:off x="1261872" y="365760"/>
-            <a:ext cx="9692640" cy="777240"/>
-          </a:xfrm>
-        </p:spPr>
-        <p:txBody>
-          <a:bodyPr>
-            <a:normAutofit/>
-          </a:bodyPr>
-          <a:lstStyle/>
-          <a:p>
-            <a:r>
-              <a:rPr lang="en-US" sz="3200" dirty="0">
-                <a:solidFill>
-                  <a:srgbClr val="FFC000"/>
-                </a:solidFill>
-              </a:rPr>
-              <a:t>Design Quality</a:t>
-            </a:r>
-          </a:p>
-        </p:txBody>
-      </p:sp>
-      <p:sp>
-        <p:nvSpPr>
-          <p:cNvPr id="3" name="Content Placeholder 2">
-            <a:extLst>
-              <a:ext uri="{FF2B5EF4-FFF2-40B4-BE49-F238E27FC236}">
-                <a16:creationId xmlns:a16="http://schemas.microsoft.com/office/drawing/2014/main" id="{A8B4EC4D-2518-2CEB-32BD-CAE088A514DC}"/>
-              </a:ext>
-            </a:extLst>
-          </p:cNvPr>
-          <p:cNvSpPr>
-            <a:spLocks noGrp="1"/>
-          </p:cNvSpPr>
-          <p:nvPr>
-            <p:ph idx="1"/>
-          </p:nvPr>
-        </p:nvSpPr>
-        <p:spPr>
-          <a:xfrm>
-            <a:off x="1261872" y="1638300"/>
-            <a:ext cx="8850772" cy="5060674"/>
-          </a:xfrm>
-        </p:spPr>
-        <p:txBody>
-          <a:bodyPr>
-            <a:normAutofit fontScale="92500" lnSpcReduction="20000"/>
-          </a:bodyPr>
-          <a:lstStyle/>
-          <a:p>
-            <a:pPr>
-              <a:lnSpc>
-                <a:spcPct val="114000"/>
-              </a:lnSpc>
-              <a:spcAft>
-                <a:spcPts val="600"/>
-              </a:spcAft>
-            </a:pPr>
-            <a:r>
-              <a:rPr lang="en-US" b="1" dirty="0">
-                <a:solidFill>
-                  <a:srgbClr val="00B0F0"/>
-                </a:solidFill>
-              </a:rPr>
-              <a:t>Persuasion Methods</a:t>
-            </a:r>
-          </a:p>
-          <a:p>
-            <a:pPr marL="617220" lvl="1" indent="-342900">
-              <a:lnSpc>
-                <a:spcPct val="114000"/>
-              </a:lnSpc>
-              <a:spcAft>
-                <a:spcPts val="600"/>
-              </a:spcAft>
-              <a:buFont typeface="+mj-lt"/>
-              <a:buAutoNum type="arabicPeriod"/>
-            </a:pPr>
-            <a:r>
-              <a:rPr lang="en-US" dirty="0">
-                <a:solidFill>
-                  <a:schemeClr val="tx1"/>
-                </a:solidFill>
-              </a:rPr>
-              <a:t>Scarcity – Limited time offers on unique sandwiches and sales</a:t>
-            </a:r>
-          </a:p>
-          <a:p>
-            <a:pPr marL="617220" lvl="1" indent="-342900">
-              <a:lnSpc>
-                <a:spcPct val="114000"/>
-              </a:lnSpc>
-              <a:spcAft>
-                <a:spcPts val="600"/>
-              </a:spcAft>
-              <a:buFont typeface="+mj-lt"/>
-              <a:buAutoNum type="arabicPeriod"/>
-            </a:pPr>
-            <a:r>
-              <a:rPr lang="en-US" dirty="0">
-                <a:solidFill>
-                  <a:schemeClr val="tx1"/>
-                </a:solidFill>
-              </a:rPr>
-              <a:t>Reciprocity – Sales</a:t>
-            </a:r>
-          </a:p>
-          <a:p>
-            <a:pPr marL="617220" lvl="1" indent="-342900">
-              <a:lnSpc>
-                <a:spcPct val="114000"/>
-              </a:lnSpc>
-              <a:spcAft>
-                <a:spcPts val="600"/>
-              </a:spcAft>
-              <a:buFont typeface="+mj-lt"/>
-              <a:buAutoNum type="arabicPeriod"/>
-            </a:pPr>
-            <a:r>
-              <a:rPr lang="en-US" dirty="0">
-                <a:solidFill>
-                  <a:schemeClr val="tx1"/>
-                </a:solidFill>
-              </a:rPr>
-              <a:t>Social Proof – Expeditions Deli ratings on each of the delivery platforms</a:t>
-            </a:r>
-          </a:p>
-          <a:p>
-            <a:pPr marL="617220" lvl="1" indent="-342900">
-              <a:lnSpc>
-                <a:spcPct val="114000"/>
-              </a:lnSpc>
-              <a:spcAft>
-                <a:spcPts val="600"/>
-              </a:spcAft>
-              <a:buFont typeface="+mj-lt"/>
-              <a:buAutoNum type="arabicPeriod"/>
-            </a:pPr>
-            <a:r>
-              <a:rPr lang="en-US" dirty="0">
-                <a:solidFill>
-                  <a:schemeClr val="tx1"/>
-                </a:solidFill>
-              </a:rPr>
-              <a:t>Consistency – “Get Notified” section to engage customers with rotating deals</a:t>
-            </a:r>
-          </a:p>
-          <a:p>
-            <a:pPr marL="617220" lvl="1" indent="-342900">
-              <a:lnSpc>
-                <a:spcPct val="114000"/>
-              </a:lnSpc>
-              <a:spcAft>
-                <a:spcPts val="600"/>
-              </a:spcAft>
-              <a:buFont typeface="+mj-lt"/>
-              <a:buAutoNum type="arabicPeriod"/>
-            </a:pPr>
-            <a:r>
-              <a:rPr lang="en-US" dirty="0">
-                <a:solidFill>
-                  <a:schemeClr val="tx1"/>
-                </a:solidFill>
-              </a:rPr>
-              <a:t>Liking – Hero image of happy couple</a:t>
-            </a:r>
-          </a:p>
-          <a:p>
-            <a:pPr marL="274320" lvl="1" indent="0">
-              <a:lnSpc>
-                <a:spcPct val="114000"/>
-              </a:lnSpc>
-              <a:spcAft>
-                <a:spcPts val="600"/>
-              </a:spcAft>
-              <a:buNone/>
-            </a:pPr>
-            <a:endParaRPr lang="en-US" dirty="0">
-              <a:solidFill>
-                <a:schemeClr val="tx1"/>
-              </a:solidFill>
-            </a:endParaRPr>
-          </a:p>
-          <a:p>
-            <a:pPr>
-              <a:lnSpc>
-                <a:spcPct val="114000"/>
-              </a:lnSpc>
-              <a:spcAft>
-                <a:spcPts val="600"/>
-              </a:spcAft>
-            </a:pPr>
-            <a:r>
-              <a:rPr lang="en-US" b="1" dirty="0">
-                <a:solidFill>
-                  <a:srgbClr val="00B0F0"/>
-                </a:solidFill>
-              </a:rPr>
-              <a:t>Key Design Considerations</a:t>
-            </a:r>
-          </a:p>
-          <a:p>
-            <a:pPr lvl="1">
-              <a:lnSpc>
-                <a:spcPct val="114000"/>
-              </a:lnSpc>
-              <a:spcAft>
-                <a:spcPts val="600"/>
-              </a:spcAft>
-            </a:pPr>
-            <a:r>
-              <a:rPr lang="en-US" dirty="0">
-                <a:solidFill>
-                  <a:schemeClr val="tx1"/>
-                </a:solidFill>
-              </a:rPr>
-              <a:t>Archetype</a:t>
-            </a:r>
-          </a:p>
-          <a:p>
-            <a:pPr lvl="1">
-              <a:lnSpc>
-                <a:spcPct val="114000"/>
-              </a:lnSpc>
-              <a:spcAft>
-                <a:spcPts val="600"/>
-              </a:spcAft>
-            </a:pPr>
-            <a:r>
-              <a:rPr lang="en-US" dirty="0">
-                <a:solidFill>
-                  <a:schemeClr val="tx1"/>
-                </a:solidFill>
-              </a:rPr>
-              <a:t>Simplicity</a:t>
-            </a:r>
-          </a:p>
-          <a:p>
-            <a:pPr lvl="1">
-              <a:lnSpc>
-                <a:spcPct val="114000"/>
-              </a:lnSpc>
-              <a:spcAft>
-                <a:spcPts val="600"/>
-              </a:spcAft>
-            </a:pPr>
-            <a:r>
-              <a:rPr lang="en-US" u="sng" dirty="0">
-                <a:solidFill>
-                  <a:schemeClr val="tx1"/>
-                </a:solidFill>
-              </a:rPr>
-              <a:t>Technical requirements:</a:t>
-            </a:r>
-          </a:p>
-          <a:p>
-            <a:pPr lvl="2">
-              <a:lnSpc>
-                <a:spcPct val="114000"/>
-              </a:lnSpc>
-              <a:spcAft>
-                <a:spcPts val="600"/>
-              </a:spcAft>
-            </a:pPr>
-            <a:r>
-              <a:rPr lang="en-US" dirty="0">
-                <a:solidFill>
-                  <a:schemeClr val="tx1"/>
-                </a:solidFill>
-              </a:rPr>
-              <a:t>ReactJS component library – Material UI (MUI)</a:t>
-            </a:r>
-          </a:p>
-          <a:p>
-            <a:pPr lvl="2">
-              <a:lnSpc>
-                <a:spcPct val="114000"/>
-              </a:lnSpc>
-              <a:spcAft>
-                <a:spcPts val="600"/>
-              </a:spcAft>
-            </a:pPr>
-            <a:r>
-              <a:rPr lang="en-US" dirty="0">
-                <a:solidFill>
-                  <a:schemeClr val="tx1"/>
-                </a:solidFill>
-              </a:rPr>
-              <a:t>Cookie consent and privacy policy</a:t>
-            </a:r>
-          </a:p>
-          <a:p>
-            <a:pPr lvl="2">
-              <a:lnSpc>
-                <a:spcPct val="114000"/>
-              </a:lnSpc>
-              <a:spcAft>
-                <a:spcPts val="600"/>
-              </a:spcAft>
-            </a:pPr>
-            <a:r>
-              <a:rPr lang="en-US" dirty="0">
-                <a:solidFill>
-                  <a:schemeClr val="tx1"/>
-                </a:solidFill>
-              </a:rPr>
-              <a:t>Google Analytics</a:t>
-            </a:r>
-          </a:p>
-          <a:p>
-            <a:pPr lvl="2">
-              <a:lnSpc>
-                <a:spcPct val="114000"/>
-              </a:lnSpc>
-              <a:spcAft>
-                <a:spcPts val="600"/>
-              </a:spcAft>
-            </a:pPr>
-            <a:r>
-              <a:rPr lang="en-US" dirty="0">
-                <a:solidFill>
-                  <a:schemeClr val="tx1"/>
-                </a:solidFill>
-              </a:rPr>
-              <a:t>Mailchimp</a:t>
-            </a:r>
-          </a:p>
-        </p:txBody>
-      </p:sp>
-    </p:spTree>
-    <p:extLst>
-      <p:ext uri="{BB962C8B-B14F-4D97-AF65-F5344CB8AC3E}">
-        <p14:creationId xmlns:p14="http://schemas.microsoft.com/office/powerpoint/2010/main" val="3543655349"/>
-      </p:ext>
-    </p:extLst>
-  </p:cSld>
-  <p:clrMapOvr>
-    <a:masterClrMapping/>
-  </p:clrMapOvr>
-</p:sld>
-</file>
-
-<file path=ppt/slides/slide9.xml><?xml version="1.0" encoding="utf-8"?>
-<p:sld xmlns:a="http://schemas.openxmlformats.org/drawingml/2006/main" xmlns:r="http://schemas.openxmlformats.org/officeDocument/2006/relationships" xmlns:p="http://schemas.openxmlformats.org/presentationml/2006/main">
-  <p:cSld>
-    <p:spTree>
-      <p:nvGrpSpPr>
-        <p:cNvPr id="1" name=""/>
-        <p:cNvGrpSpPr/>
-        <p:nvPr/>
-      </p:nvGrpSpPr>
-      <p:grpSpPr>
-        <a:xfrm>
-          <a:off x="0" y="0"/>
-          <a:ext cx="0" cy="0"/>
-          <a:chOff x="0" y="0"/>
-          <a:chExt cx="0" cy="0"/>
-        </a:xfrm>
-      </p:grpSpPr>
-      <p:sp>
-        <p:nvSpPr>
-          <p:cNvPr id="2" name="Title 1">
-            <a:extLst>
-              <a:ext uri="{FF2B5EF4-FFF2-40B4-BE49-F238E27FC236}">
-                <a16:creationId xmlns:a16="http://schemas.microsoft.com/office/drawing/2014/main" id="{3AB4BE03-24A1-4D7A-9211-97AAB4198A54}"/>
-              </a:ext>
-            </a:extLst>
-          </p:cNvPr>
-          <p:cNvSpPr>
-            <a:spLocks noGrp="1"/>
-          </p:cNvSpPr>
-          <p:nvPr>
-            <p:ph type="title"/>
-          </p:nvPr>
-        </p:nvSpPr>
-        <p:spPr>
-          <a:xfrm>
-            <a:off x="1261872" y="365760"/>
-            <a:ext cx="9692640" cy="777240"/>
-          </a:xfrm>
-        </p:spPr>
-        <p:txBody>
-          <a:bodyPr>
-            <a:normAutofit/>
-          </a:bodyPr>
-          <a:lstStyle/>
-          <a:p>
-            <a:r>
-              <a:rPr lang="en-US" sz="3200" dirty="0">
-                <a:solidFill>
-                  <a:srgbClr val="FFC000"/>
-                </a:solidFill>
-              </a:rPr>
-              <a:t>Technical Implementation</a:t>
-            </a:r>
-          </a:p>
-        </p:txBody>
-      </p:sp>
-      <p:sp>
-        <p:nvSpPr>
-          <p:cNvPr id="3" name="Content Placeholder 2">
-            <a:extLst>
-              <a:ext uri="{FF2B5EF4-FFF2-40B4-BE49-F238E27FC236}">
-                <a16:creationId xmlns:a16="http://schemas.microsoft.com/office/drawing/2014/main" id="{A8B4EC4D-2518-2CEB-32BD-CAE088A514DC}"/>
-              </a:ext>
-            </a:extLst>
-          </p:cNvPr>
-          <p:cNvSpPr>
-            <a:spLocks noGrp="1"/>
-          </p:cNvSpPr>
-          <p:nvPr>
-            <p:ph idx="1"/>
-          </p:nvPr>
-        </p:nvSpPr>
-        <p:spPr>
-          <a:xfrm>
-            <a:off x="1261872" y="1638300"/>
-            <a:ext cx="8555228" cy="4603750"/>
-          </a:xfrm>
-        </p:spPr>
-        <p:txBody>
-          <a:bodyPr>
-            <a:normAutofit/>
-          </a:bodyPr>
-          <a:lstStyle/>
-          <a:p>
-            <a:pPr>
-              <a:lnSpc>
-                <a:spcPct val="114000"/>
-              </a:lnSpc>
-              <a:spcAft>
-                <a:spcPts val="600"/>
-              </a:spcAft>
-            </a:pPr>
-            <a:r>
-              <a:rPr lang="en-US" dirty="0">
-                <a:solidFill>
-                  <a:srgbClr val="00B0F0"/>
-                </a:solidFill>
-              </a:rPr>
-              <a:t>Demo</a:t>
-            </a:r>
-            <a:r>
-              <a:rPr lang="en-US" sz="1700" dirty="0">
-                <a:solidFill>
-                  <a:srgbClr val="00B0F0"/>
-                </a:solidFill>
-              </a:rPr>
-              <a:t>:  </a:t>
-            </a:r>
-            <a:r>
-              <a:rPr lang="en-US" sz="1700" dirty="0"/>
-              <a:t>[</a:t>
-            </a:r>
-            <a:r>
-              <a:rPr lang="en-US" sz="1700" dirty="0">
-                <a:solidFill>
-                  <a:srgbClr val="92D050"/>
-                </a:solidFill>
-              </a:rPr>
-              <a:t>Click Here to view application on </a:t>
-            </a:r>
-            <a:r>
-              <a:rPr lang="en-US" sz="1700" dirty="0" err="1">
-                <a:solidFill>
-                  <a:srgbClr val="92D050"/>
-                </a:solidFill>
-              </a:rPr>
-              <a:t>Vercel</a:t>
-            </a:r>
-            <a:r>
-              <a:rPr lang="en-US" sz="1700" dirty="0"/>
-              <a:t>] </a:t>
-            </a:r>
-            <a:endParaRPr lang="en-US" sz="1700" dirty="0">
-              <a:solidFill>
-                <a:srgbClr val="00B0F0"/>
-              </a:solidFill>
-            </a:endParaRPr>
-          </a:p>
-          <a:p>
-            <a:pPr lvl="1">
-              <a:lnSpc>
-                <a:spcPct val="114000"/>
-              </a:lnSpc>
-              <a:spcAft>
-                <a:spcPts val="600"/>
-              </a:spcAft>
-            </a:pPr>
-            <a:r>
-              <a:rPr lang="en-US" sz="1500" dirty="0"/>
-              <a:t>Component usage</a:t>
-            </a:r>
-          </a:p>
-          <a:p>
-            <a:pPr lvl="1">
-              <a:lnSpc>
-                <a:spcPct val="114000"/>
-              </a:lnSpc>
-              <a:spcAft>
-                <a:spcPts val="600"/>
-              </a:spcAft>
-            </a:pPr>
-            <a:r>
-              <a:rPr lang="en-US" sz="1500" dirty="0"/>
-              <a:t>Mobile friendly responsive design</a:t>
-            </a:r>
-          </a:p>
-          <a:p>
-            <a:pPr lvl="1">
-              <a:lnSpc>
-                <a:spcPct val="114000"/>
-              </a:lnSpc>
-              <a:spcAft>
-                <a:spcPts val="600"/>
-              </a:spcAft>
-            </a:pPr>
-            <a:r>
-              <a:rPr lang="en-US" sz="1500" dirty="0"/>
-              <a:t>MailChimp Integration</a:t>
-            </a:r>
-          </a:p>
-          <a:p>
-            <a:pPr lvl="1">
-              <a:lnSpc>
-                <a:spcPct val="114000"/>
-              </a:lnSpc>
-              <a:spcAft>
-                <a:spcPts val="600"/>
-              </a:spcAft>
-            </a:pPr>
-            <a:r>
-              <a:rPr lang="en-US" sz="1500" dirty="0"/>
-              <a:t>Google Analytics</a:t>
-            </a:r>
-          </a:p>
-          <a:p>
-            <a:pPr lvl="1">
-              <a:lnSpc>
-                <a:spcPct val="114000"/>
-              </a:lnSpc>
-              <a:spcAft>
-                <a:spcPts val="600"/>
-              </a:spcAft>
-            </a:pPr>
-            <a:r>
-              <a:rPr lang="en-US" sz="1500"/>
-              <a:t>Cookie consent</a:t>
-            </a:r>
-            <a:endParaRPr lang="en-US" sz="1500" dirty="0"/>
-          </a:p>
-        </p:txBody>
-      </p:sp>
-    </p:spTree>
-    <p:extLst>
-      <p:ext uri="{BB962C8B-B14F-4D97-AF65-F5344CB8AC3E}">
-        <p14:creationId xmlns:p14="http://schemas.microsoft.com/office/powerpoint/2010/main" val="3107002121"/>
       </p:ext>
     </p:extLst>
   </p:cSld>
